--- a/Hafta-1.pptx
+++ b/Hafta-1.pptx
@@ -5,10 +5,10 @@
     <p:sldMasterId id="2147483696" r:id="rId4"/>
   </p:sldMasterIdLst>
   <p:notesMasterIdLst>
-    <p:notesMasterId r:id="rId53"/>
+    <p:notesMasterId r:id="rId51"/>
   </p:notesMasterIdLst>
   <p:handoutMasterIdLst>
-    <p:handoutMasterId r:id="rId54"/>
+    <p:handoutMasterId r:id="rId52"/>
   </p:handoutMasterIdLst>
   <p:sldIdLst>
     <p:sldId id="306" r:id="rId5"/>
@@ -53,12 +53,10 @@
     <p:sldId id="343" r:id="rId44"/>
     <p:sldId id="344" r:id="rId45"/>
     <p:sldId id="345" r:id="rId46"/>
-    <p:sldId id="346" r:id="rId47"/>
-    <p:sldId id="347" r:id="rId48"/>
-    <p:sldId id="348" r:id="rId49"/>
-    <p:sldId id="349" r:id="rId50"/>
-    <p:sldId id="312" r:id="rId51"/>
-    <p:sldId id="394" r:id="rId52"/>
+    <p:sldId id="348" r:id="rId47"/>
+    <p:sldId id="349" r:id="rId48"/>
+    <p:sldId id="312" r:id="rId49"/>
+    <p:sldId id="394" r:id="rId50"/>
   </p:sldIdLst>
   <p:sldSz cx="12192000" cy="6858000"/>
   <p:notesSz cx="6858000" cy="9144000"/>
@@ -284,7 +282,7 @@
           <a:p>
             <a:fld id="{AF536ADF-3EC2-4D6F-9F7F-1F88E3288139}" type="datetime1">
               <a:rPr lang="tr-TR" smtClean="0"/>
-              <a:t>13.02.2025</a:t>
+              <a:t>16.02.2025</a:t>
             </a:fld>
             <a:endParaRPr lang="tr-TR"/>
           </a:p>
@@ -464,7 +462,7 @@
             <a:pPr rtl="0"/>
             <a:fld id="{BA214D3A-912A-4866-90B4-0232CEDB2416}" type="datetime1">
               <a:rPr lang="tr-TR" noProof="0" smtClean="0"/>
-              <a:t>13.02.2025</a:t>
+              <a:t>16.02.2025</a:t>
             </a:fld>
             <a:endParaRPr lang="tr-TR" noProof="0"/>
           </a:p>
@@ -4003,7 +4001,7 @@
     </p:spTree>
     <p:extLst>
       <p:ext uri="{BB962C8B-B14F-4D97-AF65-F5344CB8AC3E}">
-        <p14:creationId xmlns:p14="http://schemas.microsoft.com/office/powerpoint/2010/main" val="1103646968"/>
+        <p14:creationId xmlns:p14="http://schemas.microsoft.com/office/powerpoint/2010/main" val="558164596"/>
       </p:ext>
     </p:extLst>
   </p:cSld>
@@ -4088,7 +4086,7 @@
     </p:spTree>
     <p:extLst>
       <p:ext uri="{BB962C8B-B14F-4D97-AF65-F5344CB8AC3E}">
-        <p14:creationId xmlns:p14="http://schemas.microsoft.com/office/powerpoint/2010/main" val="532897009"/>
+        <p14:creationId xmlns:p14="http://schemas.microsoft.com/office/powerpoint/2010/main" val="2810451073"/>
       </p:ext>
     </p:extLst>
   </p:cSld>
@@ -4173,7 +4171,7 @@
     </p:spTree>
     <p:extLst>
       <p:ext uri="{BB962C8B-B14F-4D97-AF65-F5344CB8AC3E}">
-        <p14:creationId xmlns:p14="http://schemas.microsoft.com/office/powerpoint/2010/main" val="558164596"/>
+        <p14:creationId xmlns:p14="http://schemas.microsoft.com/office/powerpoint/2010/main" val="4017186794"/>
       </p:ext>
     </p:extLst>
   </p:cSld>
@@ -4250,176 +4248,6 @@
             <a:fld id="{D5939589-3E79-4C82-AA4A-FE78234FAA59}" type="slidenum">
               <a:rPr lang="tr-TR" smtClean="0"/>
               <a:t>46</a:t>
-            </a:fld>
-            <a:endParaRPr lang="tr-TR"/>
-          </a:p>
-        </p:txBody>
-      </p:sp>
-    </p:spTree>
-    <p:extLst>
-      <p:ext uri="{BB962C8B-B14F-4D97-AF65-F5344CB8AC3E}">
-        <p14:creationId xmlns:p14="http://schemas.microsoft.com/office/powerpoint/2010/main" val="2810451073"/>
-      </p:ext>
-    </p:extLst>
-  </p:cSld>
-  <p:clrMapOvr>
-    <a:masterClrMapping/>
-  </p:clrMapOvr>
-</p:notes>
-</file>
-
-<file path=ppt/notesSlides/notesSlide47.xml><?xml version="1.0" encoding="utf-8"?>
-<p:notes xmlns:a="http://schemas.openxmlformats.org/drawingml/2006/main" xmlns:r="http://schemas.openxmlformats.org/officeDocument/2006/relationships" xmlns:p="http://schemas.openxmlformats.org/presentationml/2006/main">
-  <p:cSld>
-    <p:spTree>
-      <p:nvGrpSpPr>
-        <p:cNvPr id="1" name=""/>
-        <p:cNvGrpSpPr/>
-        <p:nvPr/>
-      </p:nvGrpSpPr>
-      <p:grpSpPr>
-        <a:xfrm>
-          <a:off x="0" y="0"/>
-          <a:ext cx="0" cy="0"/>
-          <a:chOff x="0" y="0"/>
-          <a:chExt cx="0" cy="0"/>
-        </a:xfrm>
-      </p:grpSpPr>
-      <p:sp>
-        <p:nvSpPr>
-          <p:cNvPr id="2" name="Slayt Resmi Yer Tutucusu 1"/>
-          <p:cNvSpPr>
-            <a:spLocks noGrp="1" noRot="1" noChangeAspect="1"/>
-          </p:cNvSpPr>
-          <p:nvPr>
-            <p:ph type="sldImg"/>
-          </p:nvPr>
-        </p:nvSpPr>
-        <p:spPr/>
-      </p:sp>
-      <p:sp>
-        <p:nvSpPr>
-          <p:cNvPr id="3" name="Not Yer Tutucusu 2"/>
-          <p:cNvSpPr>
-            <a:spLocks noGrp="1"/>
-          </p:cNvSpPr>
-          <p:nvPr>
-            <p:ph type="body" idx="1"/>
-          </p:nvPr>
-        </p:nvSpPr>
-        <p:spPr/>
-        <p:txBody>
-          <a:bodyPr/>
-          <a:lstStyle/>
-          <a:p>
-            <a:endParaRPr lang="tr-TR"/>
-          </a:p>
-        </p:txBody>
-      </p:sp>
-      <p:sp>
-        <p:nvSpPr>
-          <p:cNvPr id="4" name="Slayt Numarası Yer Tutucusu 3"/>
-          <p:cNvSpPr>
-            <a:spLocks noGrp="1"/>
-          </p:cNvSpPr>
-          <p:nvPr>
-            <p:ph type="sldNum" sz="quarter" idx="5"/>
-          </p:nvPr>
-        </p:nvSpPr>
-        <p:spPr/>
-        <p:txBody>
-          <a:bodyPr/>
-          <a:lstStyle/>
-          <a:p>
-            <a:pPr rtl="0"/>
-            <a:fld id="{D5939589-3E79-4C82-AA4A-FE78234FAA59}" type="slidenum">
-              <a:rPr lang="tr-TR" smtClean="0"/>
-              <a:t>47</a:t>
-            </a:fld>
-            <a:endParaRPr lang="tr-TR"/>
-          </a:p>
-        </p:txBody>
-      </p:sp>
-    </p:spTree>
-    <p:extLst>
-      <p:ext uri="{BB962C8B-B14F-4D97-AF65-F5344CB8AC3E}">
-        <p14:creationId xmlns:p14="http://schemas.microsoft.com/office/powerpoint/2010/main" val="4017186794"/>
-      </p:ext>
-    </p:extLst>
-  </p:cSld>
-  <p:clrMapOvr>
-    <a:masterClrMapping/>
-  </p:clrMapOvr>
-</p:notes>
-</file>
-
-<file path=ppt/notesSlides/notesSlide48.xml><?xml version="1.0" encoding="utf-8"?>
-<p:notes xmlns:a="http://schemas.openxmlformats.org/drawingml/2006/main" xmlns:r="http://schemas.openxmlformats.org/officeDocument/2006/relationships" xmlns:p="http://schemas.openxmlformats.org/presentationml/2006/main">
-  <p:cSld>
-    <p:spTree>
-      <p:nvGrpSpPr>
-        <p:cNvPr id="1" name=""/>
-        <p:cNvGrpSpPr/>
-        <p:nvPr/>
-      </p:nvGrpSpPr>
-      <p:grpSpPr>
-        <a:xfrm>
-          <a:off x="0" y="0"/>
-          <a:ext cx="0" cy="0"/>
-          <a:chOff x="0" y="0"/>
-          <a:chExt cx="0" cy="0"/>
-        </a:xfrm>
-      </p:grpSpPr>
-      <p:sp>
-        <p:nvSpPr>
-          <p:cNvPr id="2" name="Slayt Resmi Yer Tutucusu 1"/>
-          <p:cNvSpPr>
-            <a:spLocks noGrp="1" noRot="1" noChangeAspect="1"/>
-          </p:cNvSpPr>
-          <p:nvPr>
-            <p:ph type="sldImg"/>
-          </p:nvPr>
-        </p:nvSpPr>
-        <p:spPr/>
-      </p:sp>
-      <p:sp>
-        <p:nvSpPr>
-          <p:cNvPr id="3" name="Not Yer Tutucusu 2"/>
-          <p:cNvSpPr>
-            <a:spLocks noGrp="1"/>
-          </p:cNvSpPr>
-          <p:nvPr>
-            <p:ph type="body" idx="1"/>
-          </p:nvPr>
-        </p:nvSpPr>
-        <p:spPr/>
-        <p:txBody>
-          <a:bodyPr/>
-          <a:lstStyle/>
-          <a:p>
-            <a:endParaRPr lang="tr-TR"/>
-          </a:p>
-        </p:txBody>
-      </p:sp>
-      <p:sp>
-        <p:nvSpPr>
-          <p:cNvPr id="4" name="Slayt Numarası Yer Tutucusu 3"/>
-          <p:cNvSpPr>
-            <a:spLocks noGrp="1"/>
-          </p:cNvSpPr>
-          <p:nvPr>
-            <p:ph type="sldNum" sz="quarter" idx="5"/>
-          </p:nvPr>
-        </p:nvSpPr>
-        <p:spPr/>
-        <p:txBody>
-          <a:bodyPr/>
-          <a:lstStyle/>
-          <a:p>
-            <a:pPr rtl="0"/>
-            <a:fld id="{D5939589-3E79-4C82-AA4A-FE78234FAA59}" type="slidenum">
-              <a:rPr lang="tr-TR" smtClean="0"/>
-              <a:t>48</a:t>
             </a:fld>
             <a:endParaRPr lang="tr-TR"/>
           </a:p>
@@ -16018,7 +15846,30 @@
                 <a:ea typeface="Calibri" panose="020F0502020204030204" pitchFamily="34" charset="0"/>
                 <a:cs typeface="Times New Roman" panose="02020603050405020304" pitchFamily="18" charset="0"/>
               </a:rPr>
-              <a:t>Terimler ya da ölçüler kesin olarak tanımlanıp ölçülemediğinden dolayı insanlar çoğu zaman belirsiz ( kesin olmayan ) ifadeler kullanırlar. İşte bulanık mantık bazı sorulara basitçe evet-hayır cevabı verilemeyen durumları kapsar. Bulanıklığın ve bulanık mantığın temeli de budur.</a:t>
+              <a:t>Terimler ya da ölçüler kesin olarak tanımlanıp ölçülemediğinden dolayı insanlar çoğu zaman belirsiz ( kesin olmayan ) ifadeler kullanırlar. İşte bulanık mantık bazı sorulara </a:t>
+            </a:r>
+            <a:r>
+              <a:rPr lang="tr-TR" sz="2200" dirty="0">
+                <a:solidFill>
+                  <a:schemeClr val="bg2">
+                    <a:lumMod val="50000"/>
+                  </a:schemeClr>
+                </a:solidFill>
+                <a:effectLst/>
+                <a:latin typeface="Times New Roman" panose="02020603050405020304" pitchFamily="18" charset="0"/>
+                <a:ea typeface="Calibri" panose="020F0502020204030204" pitchFamily="34" charset="0"/>
+                <a:cs typeface="Times New Roman" panose="02020603050405020304" pitchFamily="18" charset="0"/>
+              </a:rPr>
+              <a:t>basitçe evet-hayır cevabı verilemeyen </a:t>
+            </a:r>
+            <a:r>
+              <a:rPr lang="tr-TR" sz="2200" dirty="0">
+                <a:effectLst/>
+                <a:latin typeface="Times New Roman" panose="02020603050405020304" pitchFamily="18" charset="0"/>
+                <a:ea typeface="Calibri" panose="020F0502020204030204" pitchFamily="34" charset="0"/>
+                <a:cs typeface="Times New Roman" panose="02020603050405020304" pitchFamily="18" charset="0"/>
+              </a:rPr>
+              <a:t>durumları kapsar. Bulanıklığın ve bulanık mantığın temeli de budur.</a:t>
             </a:r>
           </a:p>
           <a:p>
@@ -16530,43 +16381,7 @@
                 <a:ea typeface="Calibri" panose="020F0502020204030204" pitchFamily="34" charset="0"/>
                 <a:cs typeface="Times New Roman" panose="02020603050405020304" pitchFamily="18" charset="0"/>
               </a:rPr>
-              <a:t> kuramı, bir buhar </a:t>
-            </a:r>
-            <a:r>
-              <a:rPr lang="tr-TR" sz="2200" dirty="0" err="1">
-                <a:effectLst/>
-                <a:latin typeface="Times New Roman" panose="02020603050405020304" pitchFamily="18" charset="0"/>
-                <a:ea typeface="Calibri" panose="020F0502020204030204" pitchFamily="34" charset="0"/>
-                <a:cs typeface="Times New Roman" panose="02020603050405020304" pitchFamily="18" charset="0"/>
-              </a:rPr>
-              <a:t>türbününün</a:t>
-            </a:r>
-            <a:r>
-              <a:rPr lang="tr-TR" sz="2200" dirty="0">
-                <a:effectLst/>
-                <a:latin typeface="Times New Roman" panose="02020603050405020304" pitchFamily="18" charset="0"/>
-                <a:ea typeface="Calibri" panose="020F0502020204030204" pitchFamily="34" charset="0"/>
-                <a:cs typeface="Times New Roman" panose="02020603050405020304" pitchFamily="18" charset="0"/>
-              </a:rPr>
-              <a:t> hızının denetlenmesine uygulamış ve bu amaçla, bir insanın davranışlarını </a:t>
-            </a:r>
-            <a:r>
-              <a:rPr lang="tr-TR" sz="2200" dirty="0" err="1">
-                <a:effectLst/>
-                <a:latin typeface="Times New Roman" panose="02020603050405020304" pitchFamily="18" charset="0"/>
-                <a:ea typeface="Calibri" panose="020F0502020204030204" pitchFamily="34" charset="0"/>
-                <a:cs typeface="Times New Roman" panose="02020603050405020304" pitchFamily="18" charset="0"/>
-              </a:rPr>
-              <a:t>mimikleyen</a:t>
-            </a:r>
-            <a:r>
-              <a:rPr lang="tr-TR" sz="2200" dirty="0">
-                <a:effectLst/>
-                <a:latin typeface="Times New Roman" panose="02020603050405020304" pitchFamily="18" charset="0"/>
-                <a:ea typeface="Calibri" panose="020F0502020204030204" pitchFamily="34" charset="0"/>
-                <a:cs typeface="Times New Roman" panose="02020603050405020304" pitchFamily="18" charset="0"/>
-              </a:rPr>
-              <a:t>; “Eğer türbin hızı çok hızlı artıyorsa ve basınç da çok düşükse, buhar vanasını biraz aç” türünden kurallardan oluşan bir sistem geliştirmiştir. </a:t>
+              <a:t> kuramı, bir buhar tribününün hızının denetlenmesine uygulamış ve bu amaçla, bir insanın davranışlarını taklit eden; “Eğer türbin hızı çok hızlı artıyorsa ve basınç da çok düşükse, buhar vanasını biraz aç” türünden kurallardan oluşan bir sistem geliştirmiştir. </a:t>
             </a:r>
           </a:p>
           <a:p>
@@ -16615,25 +16430,7 @@
                 <a:ea typeface="Calibri" panose="020F0502020204030204" pitchFamily="34" charset="0"/>
                 <a:cs typeface="Times New Roman" panose="02020603050405020304" pitchFamily="18" charset="0"/>
               </a:rPr>
-              <a:t> bulanık mantık temelli bu tür bir sistemle </a:t>
-            </a:r>
-            <a:r>
-              <a:rPr lang="tr-TR" sz="2200" dirty="0" err="1">
-                <a:effectLst/>
-                <a:latin typeface="Times New Roman" panose="02020603050405020304" pitchFamily="18" charset="0"/>
-                <a:ea typeface="Calibri" panose="020F0502020204030204" pitchFamily="34" charset="0"/>
-                <a:cs typeface="Times New Roman" panose="02020603050405020304" pitchFamily="18" charset="0"/>
-              </a:rPr>
-              <a:t>türbün</a:t>
-            </a:r>
-            <a:r>
-              <a:rPr lang="tr-TR" sz="2200" dirty="0">
-                <a:effectLst/>
-                <a:latin typeface="Times New Roman" panose="02020603050405020304" pitchFamily="18" charset="0"/>
-                <a:ea typeface="Calibri" panose="020F0502020204030204" pitchFamily="34" charset="0"/>
-                <a:cs typeface="Times New Roman" panose="02020603050405020304" pitchFamily="18" charset="0"/>
-              </a:rPr>
-              <a:t> hızının ve performansının çok başarılı bir şekilde denetlenebileceğini göstermiştir.</a:t>
+              <a:t> bulanık mantık temelli bu tür bir sistemle türbin hızının ve performansının çok başarılı bir şekilde denetlenebileceğini göstermiştir.</a:t>
             </a:r>
             <a:endParaRPr lang="tr-TR" sz="2200" dirty="0"/>
           </a:p>
@@ -16876,7 +16673,7 @@
                 <a:latin typeface="Times New Roman" panose="02020603050405020304" pitchFamily="18" charset="0"/>
                 <a:cs typeface="Times New Roman" panose="02020603050405020304" pitchFamily="18" charset="0"/>
               </a:rPr>
-              <a:t>Geliştirilen sistemde, daha önce tren operatörü tarafından bir PID temelli denetleyici aracılığıyla yapılan ve yolcuların sarsıntılı bir yolculuk geçirmelerine neden olabilen hızlanma ve yavaşlama gibi işlemler otomatik olarak yapılmakta ve tren operatörünün yapması gereken işler, kapıları kapatmak ve başlatma düğmesine basmak gibi birkaç işlemle sınırlı kalmaktadır. Daha önce kullanılan sisteme göre trenin istenilen konumda durması üç kat iyileşmiş ve kullanılan enerji %10 azalmıştır. </a:t>
+              <a:t>Geliştirilen sistemde, daha önce tren operatörü tarafından bir PID temelli denetleyici aracılığıyla yapılan ve yolcuların sarsıntılı bir yolculuk geçirmelerine neden olabilen hızlanma ve yavaşlama gibi işlemler otomatik olarak yapmakta ve tren operatörünün yapması gereken işler, kapıları kapatmak ve başlatma düğmesine basmak gibi birkaç işlemle sınırlı kalmaktadır. Daha önce kullanılan sisteme göre trenin istenilen konumda durması üç kat iyileşmiş ve kullanılan enerji %10 azalmıştır. </a:t>
             </a:r>
           </a:p>
         </p:txBody>
@@ -17321,26 +17118,6 @@
               <a:t>Aristoteles’in klasik mantığı, mantığın tamamen durulaştırılması ve ‘daha doğru’, ‘daha yanlış’, ‘biraz doğru’, ‘pek doğru değil’ gibi bulanık durumların tümünün dışlandığı anlamına gelir. </a:t>
             </a:r>
           </a:p>
-          <a:p>
-            <a:pPr algn="just">
-              <a:lnSpc>
-                <a:spcPts val="2280"/>
-              </a:lnSpc>
-              <a:spcBef>
-                <a:spcPts val="0"/>
-              </a:spcBef>
-              <a:spcAft>
-                <a:spcPts val="1800"/>
-              </a:spcAft>
-            </a:pPr>
-            <a:r>
-              <a:rPr lang="tr-TR" sz="2200" dirty="0">
-                <a:latin typeface="Times New Roman" panose="02020603050405020304" pitchFamily="18" charset="0"/>
-                <a:cs typeface="Times New Roman" panose="02020603050405020304" pitchFamily="18" charset="0"/>
-              </a:rPr>
-              <a:t>Klasik düşünceye sahip kişiler, etraflarından aldıkları bilgileri, önceden denenmiş olduğu varsayımı ile hiç yargılamadan kabullenirler. </a:t>
-            </a:r>
-          </a:p>
         </p:txBody>
       </p:sp>
     </p:spTree>
@@ -17581,7 +17358,28 @@
                 <a:latin typeface="Times New Roman" panose="02020603050405020304" pitchFamily="18" charset="0"/>
                 <a:ea typeface="Calibri" panose="020F0502020204030204" pitchFamily="34" charset="0"/>
               </a:rPr>
-              <a:t>Bu bakımdan Aristoteles esaslı klasik küme ve ona dayalı olarak geliştirilmiş her türlü matematik yöntem gerçek dünya sorunlarının tam anlamı ile üstesinden gelemeyeceği sonucuna varılır.</a:t>
+              <a:t>Bu bakımdan Aristoteles esaslı klasik küme ve ona dayalı olarak geliştirilmiş her türlü matematik yöntem </a:t>
+            </a:r>
+            <a:r>
+              <a:rPr lang="tr-TR" sz="2200" dirty="0">
+                <a:solidFill>
+                  <a:schemeClr val="bg2">
+                    <a:lumMod val="50000"/>
+                  </a:schemeClr>
+                </a:solidFill>
+                <a:effectLst/>
+                <a:latin typeface="Times New Roman" panose="02020603050405020304" pitchFamily="18" charset="0"/>
+                <a:ea typeface="Calibri" panose="020F0502020204030204" pitchFamily="34" charset="0"/>
+              </a:rPr>
+              <a:t>gerçek dünya sorunlarının tam anlamı ile üstesinden gelemeyeceği </a:t>
+            </a:r>
+            <a:r>
+              <a:rPr lang="tr-TR" sz="2200" dirty="0">
+                <a:effectLst/>
+                <a:latin typeface="Times New Roman" panose="02020603050405020304" pitchFamily="18" charset="0"/>
+                <a:ea typeface="Calibri" panose="020F0502020204030204" pitchFamily="34" charset="0"/>
+              </a:rPr>
+              <a:t>sonucuna varılır.</a:t>
             </a:r>
             <a:endParaRPr lang="tr-TR" sz="2200" dirty="0">
               <a:latin typeface="Times New Roman" panose="02020603050405020304" pitchFamily="18" charset="0"/>
@@ -17780,7 +17578,7 @@
                 <a:latin typeface="Times New Roman" panose="02020603050405020304" pitchFamily="18" charset="0"/>
                 <a:ea typeface="Calibri" panose="020F0502020204030204" pitchFamily="34" charset="0"/>
               </a:rPr>
-              <a:t>nsanların alt sınırı 1.70 m’dir. Klasik mantığa,  “ali uzun mudur?” sorusu sorulursa, bu sınıra bakıp, eğer </a:t>
+              <a:t>nsanların alt sınırı 1.70 m’dir. Klasik mantığa,  “Ali uzun mudur?” sorusu sorulursa, bu sınıra bakıp, eğer </a:t>
             </a:r>
             <a:r>
               <a:rPr lang="tr-TR" sz="2200" dirty="0" err="1">
@@ -17815,12 +17613,26 @@
               <a:t> üzerinde </a:t>
             </a:r>
             <a:r>
-              <a:rPr lang="tr-TR" sz="2200" dirty="0" err="1">
+              <a:rPr lang="tr-TR" sz="2200" dirty="0">
+                <a:latin typeface="Times New Roman" panose="02020603050405020304" pitchFamily="18" charset="0"/>
+                <a:ea typeface="Calibri" panose="020F0502020204030204" pitchFamily="34" charset="0"/>
+              </a:rPr>
+              <a:t>i</a:t>
+            </a:r>
+            <a:r>
+              <a:rPr lang="tr-TR" sz="2200" dirty="0">
                 <a:effectLst/>
                 <a:latin typeface="Times New Roman" panose="02020603050405020304" pitchFamily="18" charset="0"/>
                 <a:ea typeface="Calibri" panose="020F0502020204030204" pitchFamily="34" charset="0"/>
               </a:rPr>
-              <a:t>ıse</a:t>
+              <a:t>se </a:t>
+            </a:r>
+            <a:r>
+              <a:rPr lang="tr-TR" sz="2200" dirty="0">
+                <a:latin typeface="Times New Roman" panose="02020603050405020304" pitchFamily="18" charset="0"/>
+                <a:ea typeface="Calibri" panose="020F0502020204030204" pitchFamily="34" charset="0"/>
+              </a:rPr>
+              <a:t>A</a:t>
             </a:r>
             <a:r>
               <a:rPr lang="tr-TR" sz="2200" dirty="0">
@@ -17828,7 +17640,7 @@
                 <a:latin typeface="Times New Roman" panose="02020603050405020304" pitchFamily="18" charset="0"/>
                 <a:ea typeface="Calibri" panose="020F0502020204030204" pitchFamily="34" charset="0"/>
               </a:rPr>
-              <a:t> ali uzun, 1.69 m ise kısadır. </a:t>
+              <a:t>li uzun, 1.69 m ise kısadır. </a:t>
             </a:r>
           </a:p>
           <a:p>
@@ -17852,20 +17664,19 @@
               <a:t>Halbuki bulanık mantık, </a:t>
             </a:r>
             <a:r>
-              <a:rPr lang="tr-TR" sz="2200" dirty="0" err="1">
+              <a:rPr lang="tr-TR" sz="2200" dirty="0">
+                <a:latin typeface="Times New Roman" panose="02020603050405020304" pitchFamily="18" charset="0"/>
+                <a:ea typeface="Calibri" panose="020F0502020204030204" pitchFamily="34" charset="0"/>
+              </a:rPr>
+              <a:t>A</a:t>
+            </a:r>
+            <a:r>
+              <a:rPr lang="tr-TR" sz="2200" dirty="0">
                 <a:effectLst/>
                 <a:latin typeface="Times New Roman" panose="02020603050405020304" pitchFamily="18" charset="0"/>
                 <a:ea typeface="Calibri" panose="020F0502020204030204" pitchFamily="34" charset="0"/>
               </a:rPr>
-              <a:t>ali’nin</a:t>
-            </a:r>
-            <a:r>
-              <a:rPr lang="tr-TR" sz="2200" dirty="0">
-                <a:effectLst/>
-                <a:latin typeface="Times New Roman" panose="02020603050405020304" pitchFamily="18" charset="0"/>
-                <a:ea typeface="Calibri" panose="020F0502020204030204" pitchFamily="34" charset="0"/>
-              </a:rPr>
-              <a:t> ne kadar uzun olduğunu sorar. Klasik mantık gibi uzuna 1, kısaya 0 gibi katı(kesin) değerler vermez. 0.1, 0.2, 0.3… gibi daha hassas ve esnek değerler verir. Böylelikle 1.69 m boyundaki bir insana kısa (0) demez, 0.2 gibi bir uzunluktadır der. </a:t>
+              <a:t>li’nin ne kadar uzun olduğunu sorar. Klasik mantık gibi uzuna 1, kısaya 0 gibi katı(kesin) değerler vermez. 0.1, 0.2, 0.3… gibi daha hassas ve esnek değerler verir. </a:t>
             </a:r>
           </a:p>
           <a:p>
@@ -17886,12 +17697,29 @@
                 <a:latin typeface="Times New Roman" panose="02020603050405020304" pitchFamily="18" charset="0"/>
                 <a:ea typeface="Calibri" panose="020F0502020204030204" pitchFamily="34" charset="0"/>
               </a:rPr>
-              <a:t>Tabiî bulanık mantığında belli sınırları vardır ve bu sınırlar, ele alınan eleman ve şartlara göre değişirler. </a:t>
-            </a:r>
-            <a:endParaRPr lang="tr-TR" sz="2200" dirty="0">
-              <a:latin typeface="Times New Roman" panose="02020603050405020304" pitchFamily="18" charset="0"/>
-              <a:ea typeface="Calibri" panose="020F0502020204030204" pitchFamily="34" charset="0"/>
-            </a:endParaRPr>
+              <a:t>Böylelikle </a:t>
+            </a:r>
+            <a:r>
+              <a:rPr lang="tr-TR" sz="2200" dirty="0">
+                <a:solidFill>
+                  <a:schemeClr val="bg2">
+                    <a:lumMod val="50000"/>
+                  </a:schemeClr>
+                </a:solidFill>
+                <a:effectLst/>
+                <a:latin typeface="Times New Roman" panose="02020603050405020304" pitchFamily="18" charset="0"/>
+                <a:ea typeface="Calibri" panose="020F0502020204030204" pitchFamily="34" charset="0"/>
+              </a:rPr>
+              <a:t>1.69 m boyundaki bir insana kısa (0) demez, 0.2 gibi bir uzunluktadır der</a:t>
+            </a:r>
+            <a:r>
+              <a:rPr lang="tr-TR" sz="2200" dirty="0">
+                <a:effectLst/>
+                <a:latin typeface="Times New Roman" panose="02020603050405020304" pitchFamily="18" charset="0"/>
+                <a:ea typeface="Calibri" panose="020F0502020204030204" pitchFamily="34" charset="0"/>
+              </a:rPr>
+              <a:t>. </a:t>
+            </a:r>
           </a:p>
           <a:p>
             <a:pPr algn="just">
@@ -17911,7 +17739,32 @@
                 <a:latin typeface="Times New Roman" panose="02020603050405020304" pitchFamily="18" charset="0"/>
                 <a:ea typeface="Calibri" panose="020F0502020204030204" pitchFamily="34" charset="0"/>
               </a:rPr>
-              <a:t>Onu klasik mantıktan ayıran nokta bu sınırların daha esnek olmasıdır. İşte bu esneklik sayesinde bulanık mantık tatbik edildiği her sahada çok daha hassas sonuçlar ve semereler doğurmaktadır.</a:t>
+              <a:t>Tabiî bulanık mantığında belli sınırları vardır ve bu sınırlar, ele alınan eleman ve şartlara göre değişirler. </a:t>
+            </a:r>
+            <a:endParaRPr lang="tr-TR" sz="2200" dirty="0">
+              <a:latin typeface="Times New Roman" panose="02020603050405020304" pitchFamily="18" charset="0"/>
+              <a:ea typeface="Calibri" panose="020F0502020204030204" pitchFamily="34" charset="0"/>
+            </a:endParaRPr>
+          </a:p>
+          <a:p>
+            <a:pPr algn="just">
+              <a:lnSpc>
+                <a:spcPts val="2280"/>
+              </a:lnSpc>
+              <a:spcBef>
+                <a:spcPts val="0"/>
+              </a:spcBef>
+              <a:spcAft>
+                <a:spcPts val="1800"/>
+              </a:spcAft>
+            </a:pPr>
+            <a:r>
+              <a:rPr lang="tr-TR" sz="2200" dirty="0">
+                <a:effectLst/>
+                <a:latin typeface="Times New Roman" panose="02020603050405020304" pitchFamily="18" charset="0"/>
+                <a:ea typeface="Calibri" panose="020F0502020204030204" pitchFamily="34" charset="0"/>
+              </a:rPr>
+              <a:t>Onu klasik mantıktan ayıran nokta bu sınırların daha esnek olmasıdır. İşte bu esneklik sayesinde bulanık mantık tatbik edildiği her sahada çok daha hassas sonuçlar doğurmaktadır.</a:t>
             </a:r>
           </a:p>
         </p:txBody>
@@ -18083,7 +17936,7 @@
                 <a:spcPts val="0"/>
               </a:spcBef>
               <a:spcAft>
-                <a:spcPts val="600"/>
+                <a:spcPts val="1200"/>
               </a:spcAft>
             </a:pPr>
             <a:r>
@@ -18152,7 +18005,7 @@
                 <a:spcPts val="0"/>
               </a:spcBef>
               <a:spcAft>
-                <a:spcPts val="600"/>
+                <a:spcPts val="1200"/>
               </a:spcAft>
             </a:pPr>
             <a:r>
@@ -18189,7 +18042,7 @@
                 <a:spcPts val="0"/>
               </a:spcBef>
               <a:spcAft>
-                <a:spcPts val="600"/>
+                <a:spcPts val="1200"/>
               </a:spcAft>
             </a:pPr>
             <a:r>
@@ -18210,7 +18063,7 @@
                 <a:spcPts val="0"/>
               </a:spcBef>
               <a:spcAft>
-                <a:spcPts val="600"/>
+                <a:spcPts val="1200"/>
               </a:spcAft>
             </a:pPr>
             <a:r>
@@ -18231,7 +18084,7 @@
                 <a:spcPts val="0"/>
               </a:spcBef>
               <a:spcAft>
-                <a:spcPts val="600"/>
+                <a:spcPts val="1200"/>
               </a:spcAft>
             </a:pPr>
             <a:r>
@@ -18268,24 +18121,16 @@
                 <a:spcPts val="0"/>
               </a:spcBef>
               <a:spcAft>
-                <a:spcPts val="600"/>
+                <a:spcPts val="1200"/>
               </a:spcAft>
             </a:pPr>
             <a:r>
-              <a:rPr lang="tr-TR" sz="2200" dirty="0" err="1">
+              <a:rPr lang="tr-TR" sz="2200" dirty="0">
                 <a:effectLst/>
                 <a:latin typeface="Times New Roman" panose="02020603050405020304" pitchFamily="18" charset="0"/>
                 <a:ea typeface="Calibri" panose="020F0502020204030204" pitchFamily="34" charset="0"/>
               </a:rPr>
-              <a:t>Dökümanları</a:t>
-            </a:r>
-            <a:r>
-              <a:rPr lang="tr-TR" sz="2200" dirty="0">
-                <a:effectLst/>
-                <a:latin typeface="Times New Roman" panose="02020603050405020304" pitchFamily="18" charset="0"/>
-                <a:ea typeface="Calibri" panose="020F0502020204030204" pitchFamily="34" charset="0"/>
-              </a:rPr>
-              <a:t> arşivleme sistemi (Mitsubishi </a:t>
+              <a:t>Dokümanları arşivleme sistemi (Mitsubishi </a:t>
             </a:r>
             <a:r>
               <a:rPr lang="tr-TR" sz="2200" dirty="0" err="1">
@@ -18313,7 +18158,7 @@
                 <a:spcPts val="0"/>
               </a:spcBef>
               <a:spcAft>
-                <a:spcPts val="600"/>
+                <a:spcPts val="1200"/>
               </a:spcAft>
             </a:pPr>
             <a:r>
@@ -18398,7 +18243,7 @@
                 <a:spcPts val="0"/>
               </a:spcBef>
               <a:spcAft>
-                <a:spcPts val="600"/>
+                <a:spcPts val="1200"/>
               </a:spcAft>
             </a:pPr>
             <a:r>
@@ -18435,7 +18280,7 @@
                 <a:spcPts val="0"/>
               </a:spcBef>
               <a:spcAft>
-                <a:spcPts val="600"/>
+                <a:spcPts val="1200"/>
               </a:spcAft>
             </a:pPr>
             <a:r>
@@ -18456,7 +18301,7 @@
                 <a:spcPts val="0"/>
               </a:spcBef>
               <a:spcAft>
-                <a:spcPts val="600"/>
+                <a:spcPts val="1200"/>
               </a:spcAft>
             </a:pPr>
             <a:r>
@@ -18493,7 +18338,7 @@
                 <a:spcPts val="0"/>
               </a:spcBef>
               <a:spcAft>
-                <a:spcPts val="600"/>
+                <a:spcPts val="1200"/>
               </a:spcAft>
             </a:pPr>
             <a:r>
@@ -18551,80 +18396,6 @@
                 <a:ea typeface="Calibri" panose="020F0502020204030204" pitchFamily="34" charset="0"/>
               </a:rPr>
               <a:t>) </a:t>
-            </a:r>
-          </a:p>
-          <a:p>
-            <a:pPr algn="just">
-              <a:lnSpc>
-                <a:spcPts val="2200"/>
-              </a:lnSpc>
-              <a:spcBef>
-                <a:spcPts val="0"/>
-              </a:spcBef>
-              <a:spcAft>
-                <a:spcPts val="600"/>
-              </a:spcAft>
-            </a:pPr>
-            <a:r>
-              <a:rPr lang="tr-TR" sz="2200" dirty="0">
-                <a:effectLst/>
-                <a:latin typeface="Times New Roman" panose="02020603050405020304" pitchFamily="18" charset="0"/>
-                <a:ea typeface="Calibri" panose="020F0502020204030204" pitchFamily="34" charset="0"/>
-              </a:rPr>
-              <a:t>Helikopterler için uçuş desteği (</a:t>
-            </a:r>
-            <a:r>
-              <a:rPr lang="tr-TR" sz="2200" dirty="0" err="1">
-                <a:effectLst/>
-                <a:latin typeface="Times New Roman" panose="02020603050405020304" pitchFamily="18" charset="0"/>
-                <a:ea typeface="Calibri" panose="020F0502020204030204" pitchFamily="34" charset="0"/>
-              </a:rPr>
-              <a:t>Sugeno</a:t>
-            </a:r>
-            <a:r>
-              <a:rPr lang="tr-TR" sz="2200" dirty="0">
-                <a:effectLst/>
-                <a:latin typeface="Times New Roman" panose="02020603050405020304" pitchFamily="18" charset="0"/>
-                <a:ea typeface="Calibri" panose="020F0502020204030204" pitchFamily="34" charset="0"/>
-              </a:rPr>
-              <a:t>) </a:t>
-            </a:r>
-          </a:p>
-          <a:p>
-            <a:pPr algn="just">
-              <a:lnSpc>
-                <a:spcPts val="2200"/>
-              </a:lnSpc>
-              <a:spcBef>
-                <a:spcPts val="0"/>
-              </a:spcBef>
-              <a:spcAft>
-                <a:spcPts val="600"/>
-              </a:spcAft>
-            </a:pPr>
-            <a:r>
-              <a:rPr lang="tr-TR" sz="2200" dirty="0">
-                <a:effectLst/>
-                <a:latin typeface="Times New Roman" panose="02020603050405020304" pitchFamily="18" charset="0"/>
-                <a:ea typeface="Calibri" panose="020F0502020204030204" pitchFamily="34" charset="0"/>
-              </a:rPr>
-              <a:t>Çelik sanayinde makine hızı ve ısısının kontrolü (Kawasaki Steel, New-</a:t>
-            </a:r>
-            <a:r>
-              <a:rPr lang="tr-TR" sz="2200" dirty="0" err="1">
-                <a:effectLst/>
-                <a:latin typeface="Times New Roman" panose="02020603050405020304" pitchFamily="18" charset="0"/>
-                <a:ea typeface="Calibri" panose="020F0502020204030204" pitchFamily="34" charset="0"/>
-              </a:rPr>
-              <a:t>Nippon</a:t>
-            </a:r>
-            <a:r>
-              <a:rPr lang="tr-TR" sz="2200" dirty="0">
-                <a:effectLst/>
-                <a:latin typeface="Times New Roman" panose="02020603050405020304" pitchFamily="18" charset="0"/>
-                <a:ea typeface="Calibri" panose="020F0502020204030204" pitchFamily="34" charset="0"/>
-              </a:rPr>
-              <a:t> Steel, NKK) </a:t>
             </a:r>
           </a:p>
         </p:txBody>
@@ -18756,7 +18527,7 @@
         </p:nvSpPr>
         <p:spPr>
           <a:xfrm>
-            <a:off x="838200" y="788438"/>
+            <a:off x="838200" y="881748"/>
             <a:ext cx="10515600" cy="5645273"/>
           </a:xfrm>
         </p:spPr>
@@ -18765,6 +18536,80 @@
             <a:noAutofit/>
           </a:bodyPr>
           <a:lstStyle/>
+          <a:p>
+            <a:pPr algn="just">
+              <a:lnSpc>
+                <a:spcPts val="2200"/>
+              </a:lnSpc>
+              <a:spcBef>
+                <a:spcPts val="0"/>
+              </a:spcBef>
+              <a:spcAft>
+                <a:spcPts val="1200"/>
+              </a:spcAft>
+            </a:pPr>
+            <a:r>
+              <a:rPr lang="tr-TR" sz="2200" dirty="0">
+                <a:effectLst/>
+                <a:latin typeface="Times New Roman" panose="02020603050405020304" pitchFamily="18" charset="0"/>
+                <a:ea typeface="Calibri" panose="020F0502020204030204" pitchFamily="34" charset="0"/>
+              </a:rPr>
+              <a:t>Helikopterler için uçuş desteği (</a:t>
+            </a:r>
+            <a:r>
+              <a:rPr lang="tr-TR" sz="2200" dirty="0" err="1">
+                <a:effectLst/>
+                <a:latin typeface="Times New Roman" panose="02020603050405020304" pitchFamily="18" charset="0"/>
+                <a:ea typeface="Calibri" panose="020F0502020204030204" pitchFamily="34" charset="0"/>
+              </a:rPr>
+              <a:t>Sugeno</a:t>
+            </a:r>
+            <a:r>
+              <a:rPr lang="tr-TR" sz="2200" dirty="0">
+                <a:effectLst/>
+                <a:latin typeface="Times New Roman" panose="02020603050405020304" pitchFamily="18" charset="0"/>
+                <a:ea typeface="Calibri" panose="020F0502020204030204" pitchFamily="34" charset="0"/>
+              </a:rPr>
+              <a:t>) </a:t>
+            </a:r>
+          </a:p>
+          <a:p>
+            <a:pPr algn="just">
+              <a:lnSpc>
+                <a:spcPts val="2200"/>
+              </a:lnSpc>
+              <a:spcBef>
+                <a:spcPts val="0"/>
+              </a:spcBef>
+              <a:spcAft>
+                <a:spcPts val="1200"/>
+              </a:spcAft>
+            </a:pPr>
+            <a:r>
+              <a:rPr lang="tr-TR" sz="2200" dirty="0">
+                <a:effectLst/>
+                <a:latin typeface="Times New Roman" panose="02020603050405020304" pitchFamily="18" charset="0"/>
+                <a:ea typeface="Calibri" panose="020F0502020204030204" pitchFamily="34" charset="0"/>
+              </a:rPr>
+              <a:t>Çelik sanayinde makine hızı ve ısısının kontrolü (Kawasaki Steel, New-</a:t>
+            </a:r>
+            <a:r>
+              <a:rPr lang="tr-TR" sz="2200" dirty="0" err="1">
+                <a:effectLst/>
+                <a:latin typeface="Times New Roman" panose="02020603050405020304" pitchFamily="18" charset="0"/>
+                <a:ea typeface="Calibri" panose="020F0502020204030204" pitchFamily="34" charset="0"/>
+              </a:rPr>
+              <a:t>Nippon</a:t>
+            </a:r>
+            <a:r>
+              <a:rPr lang="tr-TR" sz="2200" dirty="0">
+                <a:effectLst/>
+                <a:latin typeface="Times New Roman" panose="02020603050405020304" pitchFamily="18" charset="0"/>
+                <a:ea typeface="Calibri" panose="020F0502020204030204" pitchFamily="34" charset="0"/>
+              </a:rPr>
+              <a:t> Steel, NKK) </a:t>
+            </a:r>
+          </a:p>
           <a:p>
             <a:pPr algn="just">
               <a:lnSpc>
@@ -19724,7 +19569,7 @@
           <a:p>
             <a:pPr algn="just">
               <a:lnSpc>
-                <a:spcPts val="2280"/>
+                <a:spcPct val="150000"/>
               </a:lnSpc>
               <a:spcBef>
                 <a:spcPts val="0"/>
@@ -19739,7 +19584,7 @@
                 <a:latin typeface="Times New Roman" panose="02020603050405020304" pitchFamily="18" charset="0"/>
                 <a:ea typeface="Calibri" panose="020F0502020204030204" pitchFamily="34" charset="0"/>
               </a:rPr>
-              <a:t>Çünkü kanarya, kartal ve yarasa uçabilirler, fakat tavuk ancak bir kaç metre uçabilir. Penguen ise yüzmeyi tercih eder. Yarasa memelidir ve doğurarak ürer, diğer hepsi yumurtlar. Kanarya ve kartal için bu cümle diğerleri için olduğuna göre, daha doğru görünmektedir.</a:t>
+              <a:t>Çünkü kanarya, kartal ve yarasa uçabilirler, fakat tavuk ancak bir kaç metre uçabilir. Penguen ise yüzmeyi tercih eder. Yarasa memelidir ve doğurarak ürer, diğer hepsi yumurtlar. Kanarya ve kartal için bu cümle diğerlerinden daha doğru görünmektedir.</a:t>
             </a:r>
           </a:p>
           <a:p>
@@ -19922,7 +19767,18 @@
                 <a:latin typeface="Times New Roman" panose="02020603050405020304" pitchFamily="18" charset="0"/>
                 <a:ea typeface="Calibri" panose="020F0502020204030204" pitchFamily="34" charset="0"/>
               </a:rPr>
-              <a:t>Şu kıyaslamaya bakalım :</a:t>
+              <a:t>Şu kıyaslamaya bakalım : </a:t>
+            </a:r>
+            <a:r>
+              <a:rPr lang="tr-TR" sz="2200" dirty="0">
+                <a:solidFill>
+                  <a:srgbClr val="FF0000"/>
+                </a:solidFill>
+                <a:effectLst/>
+                <a:latin typeface="Times New Roman" panose="02020603050405020304" pitchFamily="18" charset="0"/>
+                <a:ea typeface="Calibri" panose="020F0502020204030204" pitchFamily="34" charset="0"/>
+              </a:rPr>
+              <a:t>(Klasik mantık ile ifade edilebilir)</a:t>
             </a:r>
           </a:p>
           <a:p>
@@ -20028,7 +19884,18 @@
                 <a:latin typeface="Times New Roman" panose="02020603050405020304" pitchFamily="18" charset="0"/>
                 <a:ea typeface="Calibri" panose="020F0502020204030204" pitchFamily="34" charset="0"/>
               </a:rPr>
-              <a:t>Bunu aşağıdaki gibi değiştirelim:</a:t>
+              <a:t>Bunu aşağıdaki gibi değiştirelim: </a:t>
+            </a:r>
+            <a:r>
+              <a:rPr lang="tr-TR" sz="2200" dirty="0">
+                <a:solidFill>
+                  <a:srgbClr val="FF0000"/>
+                </a:solidFill>
+                <a:effectLst/>
+                <a:latin typeface="Times New Roman" panose="02020603050405020304" pitchFamily="18" charset="0"/>
+                <a:ea typeface="Calibri" panose="020F0502020204030204" pitchFamily="34" charset="0"/>
+              </a:rPr>
+              <a:t>(Klasik mantık ile ifade edilemez)</a:t>
             </a:r>
           </a:p>
           <a:p>
@@ -20140,7 +20007,7 @@
           <a:p>
             <a:pPr algn="just">
               <a:lnSpc>
-                <a:spcPts val="2280"/>
+                <a:spcPct val="100000"/>
               </a:lnSpc>
               <a:spcBef>
                 <a:spcPts val="0"/>
@@ -20360,7 +20227,7 @@
               <a:rPr lang="tr-TR" sz="2200" dirty="0">
                 <a:latin typeface="Times New Roman" panose="02020603050405020304" pitchFamily="18" charset="0"/>
               </a:rPr>
-              <a:t>Bilge </a:t>
+              <a:t>Umay </a:t>
             </a:r>
             <a:r>
               <a:rPr lang="tr-TR" sz="2200" dirty="0">
@@ -20389,7 +20256,7 @@
                 <a:latin typeface="Times New Roman" panose="02020603050405020304" pitchFamily="18" charset="0"/>
                 <a:ea typeface="Calibri" panose="020F0502020204030204" pitchFamily="34" charset="0"/>
               </a:rPr>
-              <a:t>“Bengü güzel bir kızdır".</a:t>
+              <a:t>“Ülkü güzel bir kızdır".</a:t>
             </a:r>
           </a:p>
           <a:p>
@@ -20452,7 +20319,28 @@
                 <a:latin typeface="Times New Roman" panose="02020603050405020304" pitchFamily="18" charset="0"/>
                 <a:ea typeface="Calibri" panose="020F0502020204030204" pitchFamily="34" charset="0"/>
               </a:rPr>
-              <a:t>Bunlar, klasik mantık sistemleriyle doğruluğundan söz edilebilmesi güç cümlelerdir.</a:t>
+              <a:t>Bunlar, </a:t>
+            </a:r>
+            <a:r>
+              <a:rPr lang="tr-TR" sz="2200" dirty="0">
+                <a:solidFill>
+                  <a:schemeClr val="bg2">
+                    <a:lumMod val="50000"/>
+                  </a:schemeClr>
+                </a:solidFill>
+                <a:effectLst/>
+                <a:latin typeface="Times New Roman" panose="02020603050405020304" pitchFamily="18" charset="0"/>
+                <a:ea typeface="Calibri" panose="020F0502020204030204" pitchFamily="34" charset="0"/>
+              </a:rPr>
+              <a:t>klasik mantık sistemleriyle doğruluğundan söz edilebilmesi güç cümlelerdir</a:t>
+            </a:r>
+            <a:r>
+              <a:rPr lang="tr-TR" sz="2200" dirty="0">
+                <a:effectLst/>
+                <a:latin typeface="Times New Roman" panose="02020603050405020304" pitchFamily="18" charset="0"/>
+                <a:ea typeface="Calibri" panose="020F0502020204030204" pitchFamily="34" charset="0"/>
+              </a:rPr>
+              <a:t>.</a:t>
             </a:r>
           </a:p>
           <a:p>
@@ -20473,7 +20361,28 @@
                 <a:latin typeface="Times New Roman" panose="02020603050405020304" pitchFamily="18" charset="0"/>
                 <a:ea typeface="Calibri" panose="020F0502020204030204" pitchFamily="34" charset="0"/>
               </a:rPr>
-              <a:t>Çünkü ‘uzun’, ‘güzel’, ‘büyük’, ve hatta ‘çok daha’, ifadeleri açık bir şekilde tanımlanmamış, belirsizlik içeren sözcüklerdir.</a:t>
+              <a:t>Çünkü </a:t>
+            </a:r>
+            <a:r>
+              <a:rPr lang="tr-TR" sz="2200" dirty="0">
+                <a:solidFill>
+                  <a:schemeClr val="bg2">
+                    <a:lumMod val="50000"/>
+                  </a:schemeClr>
+                </a:solidFill>
+                <a:effectLst/>
+                <a:latin typeface="Times New Roman" panose="02020603050405020304" pitchFamily="18" charset="0"/>
+                <a:ea typeface="Calibri" panose="020F0502020204030204" pitchFamily="34" charset="0"/>
+              </a:rPr>
+              <a:t>‘uzun’, ‘güzel’, ‘büyük’, ve hatta ‘çok daha’, ifadeleri açık bir şekilde tanımlanmamış, belirsizlik içeren</a:t>
+            </a:r>
+            <a:r>
+              <a:rPr lang="tr-TR" sz="2200" dirty="0">
+                <a:effectLst/>
+                <a:latin typeface="Times New Roman" panose="02020603050405020304" pitchFamily="18" charset="0"/>
+                <a:ea typeface="Calibri" panose="020F0502020204030204" pitchFamily="34" charset="0"/>
+              </a:rPr>
+              <a:t> sözcüklerdir.</a:t>
             </a:r>
           </a:p>
           <a:p>
@@ -20921,7 +20830,22 @@
                 <a:latin typeface="Times New Roman" panose="02020603050405020304" pitchFamily="18" charset="0"/>
                 <a:ea typeface="Calibri" panose="020F0502020204030204" pitchFamily="34" charset="0"/>
               </a:rPr>
-              <a:t>Klasik mantıkta, bir önerme ya ‘doğru’ ya da ‘yanlış’ olarak kabul edilir. </a:t>
+              <a:t>Klasik mantıkta, bir önerme ya ‘doğru’ ya da ‘yanlış’ olarak kabul edil</a:t>
+            </a:r>
+            <a:r>
+              <a:rPr lang="tr-TR" sz="2200" dirty="0">
+                <a:latin typeface="Times New Roman" panose="02020603050405020304" pitchFamily="18" charset="0"/>
+                <a:ea typeface="Calibri" panose="020F0502020204030204" pitchFamily="34" charset="0"/>
+              </a:rPr>
+              <a:t>diğini daha önce belirtmiştik</a:t>
+            </a:r>
+            <a:r>
+              <a:rPr lang="tr-TR" sz="2200" dirty="0">
+                <a:effectLst/>
+                <a:latin typeface="Times New Roman" panose="02020603050405020304" pitchFamily="18" charset="0"/>
+                <a:ea typeface="Calibri" panose="020F0502020204030204" pitchFamily="34" charset="0"/>
+              </a:rPr>
+              <a:t>. </a:t>
             </a:r>
           </a:p>
           <a:p>
@@ -20942,28 +20866,7 @@
                 <a:latin typeface="Times New Roman" panose="02020603050405020304" pitchFamily="18" charset="0"/>
                 <a:ea typeface="Calibri" panose="020F0502020204030204" pitchFamily="34" charset="0"/>
               </a:rPr>
-              <a:t>Üçüncü bir durumun gerçekleşmesinin imkansız olduğu varsayılır ve çoğu zaman bu tür durumlar ‘paradoks’ olarak adlandırılır. </a:t>
-            </a:r>
-          </a:p>
-          <a:p>
-            <a:pPr algn="just">
-              <a:lnSpc>
-                <a:spcPts val="2280"/>
-              </a:lnSpc>
-              <a:spcBef>
-                <a:spcPts val="0"/>
-              </a:spcBef>
-              <a:spcAft>
-                <a:spcPts val="1800"/>
-              </a:spcAft>
-            </a:pPr>
-            <a:r>
-              <a:rPr lang="tr-TR" sz="2200" dirty="0">
-                <a:effectLst/>
-                <a:latin typeface="Times New Roman" panose="02020603050405020304" pitchFamily="18" charset="0"/>
-                <a:ea typeface="Calibri" panose="020F0502020204030204" pitchFamily="34" charset="0"/>
-              </a:rPr>
-              <a:t>Diğer bir deyişle doğruluk, önermeleri {Yanlış, Doğru}, veya sayısal olarak {0, 1}, kümesinin elemanlarıyla ilişkilendiren bir küme olarak görülebilir. </a:t>
+              <a:t>Klasik mantıkta, üçüncü bir durumun gerçekleşmesinin imkansız olduğu varsayılır ve çoğu zaman bu tür durumlar ‘paradoks’ olarak adlandırılır. </a:t>
             </a:r>
           </a:p>
           <a:p>
@@ -21530,7 +21433,7 @@
                 <a:latin typeface="Times New Roman" panose="02020603050405020304" pitchFamily="18" charset="0"/>
                 <a:ea typeface="Calibri" panose="020F0502020204030204" pitchFamily="34" charset="0"/>
               </a:rPr>
-              <a:t>İki değerli mantıkta sınıflandırmalar kesin olup, bir eleman bir kümenin ya elemanıdır veya değildir. </a:t>
+              <a:t>Bulanık mantıkta bir eleman birden fazla kümenin elemanı olabilir. </a:t>
             </a:r>
           </a:p>
           <a:p>
@@ -21551,7 +21454,7 @@
                 <a:latin typeface="Times New Roman" panose="02020603050405020304" pitchFamily="18" charset="0"/>
                 <a:ea typeface="Calibri" panose="020F0502020204030204" pitchFamily="34" charset="0"/>
               </a:rPr>
-              <a:t>Bulanık mantıkta ise bir eleman birden fazla kümenin elemanı olabilir. </a:t>
+              <a:t>Oda sıcaklığı ile ilgili bir örnek verilecek olursa, klasik mantıkta oda ya sıcaktır veya değildir. </a:t>
             </a:r>
           </a:p>
           <a:p>
@@ -21572,7 +21475,7 @@
                 <a:latin typeface="Times New Roman" panose="02020603050405020304" pitchFamily="18" charset="0"/>
                 <a:ea typeface="Calibri" panose="020F0502020204030204" pitchFamily="34" charset="0"/>
               </a:rPr>
-              <a:t>Oda sıcaklığı ile ilgili bir örnek verilecek olursa, klasik mantıkta oda ya sıcaktır veya değildir. </a:t>
+              <a:t>Sıcaklık tanımı olarak eşik noktasını 25 derece olarak tanımlarsak; </a:t>
             </a:r>
           </a:p>
           <a:p>
@@ -21593,7 +21496,7 @@
                 <a:latin typeface="Times New Roman" panose="02020603050405020304" pitchFamily="18" charset="0"/>
                 <a:ea typeface="Calibri" panose="020F0502020204030204" pitchFamily="34" charset="0"/>
               </a:rPr>
-              <a:t>Sıcaklık tanımı olarak eşik noktasını 25 derece olarak tanımlarsak; 25 derecenin üzeri sıcak, altı ılık olsun. Bu durumda sıcaklık 25.1 derece olduğu zaman oda sıcak olacaktır, 24.9 derece olduğu zaman oda sıcak değil ılık olacaktır. </a:t>
+              <a:t>25 derecenin üzeri sıcak, altı ılık olsun. Bu durumda sıcaklık 25.1 derece olduğu zaman oda sıcak olacaktır, 24.9 derece olduğu zaman oda sıcak değil ılık olacaktır. </a:t>
             </a:r>
           </a:p>
           <a:p>
@@ -21758,7 +21661,7 @@
           <a:p>
             <a:pPr algn="just">
               <a:lnSpc>
-                <a:spcPts val="2280"/>
+                <a:spcPct val="100000"/>
               </a:lnSpc>
               <a:spcBef>
                 <a:spcPts val="0"/>
@@ -21773,13 +21676,34 @@
                 <a:latin typeface="Times New Roman" panose="02020603050405020304" pitchFamily="18" charset="0"/>
                 <a:ea typeface="Calibri" panose="020F0502020204030204" pitchFamily="34" charset="0"/>
               </a:rPr>
-              <a:t>Bulanık mantık ile bakıldığında yine eşik noktası 25 derece olsun, bu durumda oda sıcaklığı 25.1 derece olduğunda oda sıcaklığı modellemesini yapan kişinin varsayımı ile %51 sıcak, %49 ılık olacaktır. </a:t>
+              <a:t>Bulanık mantık ile bakıldığında yine eşik noktası 25 derece olsun, bu durumda oda sıcaklığı </a:t>
+            </a:r>
+            <a:r>
+              <a:rPr lang="tr-TR" sz="2200" dirty="0">
+                <a:solidFill>
+                  <a:schemeClr val="bg2">
+                    <a:lumMod val="50000"/>
+                  </a:schemeClr>
+                </a:solidFill>
+                <a:effectLst/>
+                <a:latin typeface="Times New Roman" panose="02020603050405020304" pitchFamily="18" charset="0"/>
+                <a:ea typeface="Calibri" panose="020F0502020204030204" pitchFamily="34" charset="0"/>
+              </a:rPr>
+              <a:t>25.1 derece olduğunda oda sıcaklığı modellemesini yapan kişinin varsayımı ile %51 sıcak, %49 ılık olacaktır</a:t>
+            </a:r>
+            <a:r>
+              <a:rPr lang="tr-TR" sz="2200" dirty="0">
+                <a:effectLst/>
+                <a:latin typeface="Times New Roman" panose="02020603050405020304" pitchFamily="18" charset="0"/>
+                <a:ea typeface="Calibri" panose="020F0502020204030204" pitchFamily="34" charset="0"/>
+              </a:rPr>
+              <a:t>. </a:t>
             </a:r>
           </a:p>
           <a:p>
             <a:pPr algn="just">
               <a:lnSpc>
-                <a:spcPts val="2280"/>
+                <a:spcPct val="100000"/>
               </a:lnSpc>
               <a:spcBef>
                 <a:spcPts val="0"/>
@@ -21790,17 +21714,30 @@
             </a:pPr>
             <a:r>
               <a:rPr lang="tr-TR" sz="2200" dirty="0">
+                <a:solidFill>
+                  <a:schemeClr val="bg2">
+                    <a:lumMod val="50000"/>
+                  </a:schemeClr>
+                </a:solidFill>
                 <a:effectLst/>
                 <a:latin typeface="Times New Roman" panose="02020603050405020304" pitchFamily="18" charset="0"/>
                 <a:ea typeface="Calibri" panose="020F0502020204030204" pitchFamily="34" charset="0"/>
               </a:rPr>
-              <a:t>24.9 derece olduğunda ise tam tersi olarak %49 sıcak, %51 ılık olacaktır. </a:t>
+              <a:t>24.9 derece olduğunda ise tam tersi olarak %49 sıcak, %51 ılık olacaktır</a:t>
+            </a:r>
+            <a:r>
+              <a:rPr lang="tr-TR" sz="2200" dirty="0">
+                <a:effectLst/>
+                <a:latin typeface="Times New Roman" panose="02020603050405020304" pitchFamily="18" charset="0"/>
+                <a:ea typeface="Calibri" panose="020F0502020204030204" pitchFamily="34" charset="0"/>
+              </a:rPr>
+              <a:t>. </a:t>
             </a:r>
           </a:p>
           <a:p>
             <a:pPr algn="just">
               <a:lnSpc>
-                <a:spcPts val="2280"/>
+                <a:spcPct val="100000"/>
               </a:lnSpc>
               <a:spcBef>
                 <a:spcPts val="0"/>
@@ -21821,7 +21758,7 @@
           <a:p>
             <a:pPr algn="just">
               <a:lnSpc>
-                <a:spcPts val="2280"/>
+                <a:spcPct val="100000"/>
               </a:lnSpc>
               <a:spcBef>
                 <a:spcPts val="0"/>
@@ -23385,7 +23322,7 @@
         </p:nvSpPr>
         <p:spPr>
           <a:xfrm>
-            <a:off x="838200" y="1236538"/>
+            <a:off x="838200" y="1053975"/>
             <a:ext cx="10515600" cy="5302374"/>
           </a:xfrm>
         </p:spPr>
@@ -23407,7 +23344,7 @@
               </a:spcAft>
             </a:pPr>
             <a:r>
-              <a:rPr lang="tr-TR" sz="2200" dirty="0">
+              <a:rPr lang="tr-TR" sz="2000" dirty="0">
                 <a:latin typeface="Times New Roman" panose="02020603050405020304" pitchFamily="18" charset="0"/>
               </a:rPr>
               <a:t>Eğer bu iki şişeden birini içmek zorunda kalırsak A şişesinin tehlikesi B’ye göre daha azdır. </a:t>
@@ -23426,7 +23363,7 @@
               </a:spcAft>
             </a:pPr>
             <a:r>
-              <a:rPr lang="tr-TR" sz="2200" dirty="0">
+              <a:rPr lang="tr-TR" sz="2000" dirty="0">
                 <a:latin typeface="Times New Roman" panose="02020603050405020304" pitchFamily="18" charset="0"/>
               </a:rPr>
               <a:t>Çünkü B şişesi onda bir olasılıkla zararlı bir sıvıyla doludur ve B şişesini içersek ani bir ölümle karşılaşabiliriz. </a:t>
@@ -23445,19 +23382,19 @@
               </a:spcAft>
             </a:pPr>
             <a:r>
-              <a:rPr lang="tr-TR" sz="2200" dirty="0">
+              <a:rPr lang="tr-TR" sz="2000" dirty="0">
                 <a:latin typeface="Times New Roman" panose="02020603050405020304" pitchFamily="18" charset="0"/>
               </a:rPr>
               <a:t>Fakat A şişesine ait %91′lik üyelik derecesi bize şişedeki sıvının zararsız sıvılara örneğin saf suya %91 oranında benzediğini ve asla hidroklorik asit (</a:t>
             </a:r>
             <a:r>
-              <a:rPr lang="tr-TR" sz="2200" dirty="0" err="1">
+              <a:rPr lang="tr-TR" sz="2000" dirty="0" err="1">
                 <a:latin typeface="Times New Roman" panose="02020603050405020304" pitchFamily="18" charset="0"/>
               </a:rPr>
               <a:t>HCl</a:t>
             </a:r>
             <a:r>
-              <a:rPr lang="tr-TR" sz="2200" dirty="0">
+              <a:rPr lang="tr-TR" sz="2000" dirty="0">
                 <a:latin typeface="Times New Roman" panose="02020603050405020304" pitchFamily="18" charset="0"/>
               </a:rPr>
               <a:t>) gibi zararlı bir sıvı olmadığını ifade eder. </a:t>
@@ -23476,7 +23413,7 @@
               </a:spcAft>
             </a:pPr>
             <a:r>
-              <a:rPr lang="tr-TR" sz="2200" dirty="0">
+              <a:rPr lang="tr-TR" sz="2000" dirty="0">
                 <a:latin typeface="Times New Roman" panose="02020603050405020304" pitchFamily="18" charset="0"/>
               </a:rPr>
               <a:t>Bu yüzden bu sıvının bize verebileceği zarar sınırlıdır ve ölüm tehlikesi yoktur. Hatta bulanık bir su olarak düşünülebilir.</a:t>
@@ -23502,6 +23439,36 @@
           </a:p>
         </p:txBody>
       </p:sp>
+      <p:pic>
+        <p:nvPicPr>
+          <p:cNvPr id="5" name="Resim 4">
+            <a:extLst>
+              <a:ext uri="{FF2B5EF4-FFF2-40B4-BE49-F238E27FC236}">
+                <a16:creationId xmlns:a16="http://schemas.microsoft.com/office/drawing/2014/main" id="{B9FFF670-9AEF-B15B-B926-609A5218B788}"/>
+              </a:ext>
+            </a:extLst>
+          </p:cNvPr>
+          <p:cNvPicPr>
+            <a:picLocks noChangeAspect="1"/>
+          </p:cNvPicPr>
+          <p:nvPr/>
+        </p:nvPicPr>
+        <p:blipFill>
+          <a:blip r:embed="rId3"/>
+          <a:stretch>
+            <a:fillRect/>
+          </a:stretch>
+        </p:blipFill>
+        <p:spPr>
+          <a:xfrm>
+            <a:off x="2512614" y="3841885"/>
+            <a:ext cx="7166772" cy="2754858"/>
+          </a:xfrm>
+          <a:prstGeom prst="rect">
+            <a:avLst/>
+          </a:prstGeom>
+        </p:spPr>
+      </p:pic>
     </p:spTree>
     <p:extLst>
       <p:ext uri="{BB962C8B-B14F-4D97-AF65-F5344CB8AC3E}">
@@ -25124,8 +25091,8 @@
         </p:nvSpPr>
         <p:spPr>
           <a:xfrm>
-            <a:off x="282968" y="986917"/>
-            <a:ext cx="8554916" cy="5253160"/>
+            <a:off x="282967" y="986917"/>
+            <a:ext cx="9028983" cy="5253160"/>
           </a:xfrm>
         </p:spPr>
         <p:txBody>
@@ -25239,7 +25206,21 @@
                 <a:latin typeface="Times New Roman" panose="02020603050405020304" pitchFamily="18" charset="0"/>
                 <a:cs typeface="Times New Roman" panose="02020603050405020304" pitchFamily="18" charset="0"/>
               </a:rPr>
-              <a:t>Bazı ileri bulanık küme işlemleri</a:t>
+              <a:t>Bazı ileri bulanık küme işlemleri (T-Norm (Kesişim) ve T-</a:t>
+            </a:r>
+            <a:r>
+              <a:rPr lang="tr-TR" sz="2000" dirty="0" err="1">
+                <a:latin typeface="Times New Roman" panose="02020603050405020304" pitchFamily="18" charset="0"/>
+                <a:cs typeface="Times New Roman" panose="02020603050405020304" pitchFamily="18" charset="0"/>
+              </a:rPr>
+              <a:t>Conorm</a:t>
+            </a:r>
+            <a:r>
+              <a:rPr lang="tr-TR" sz="2000" dirty="0">
+                <a:latin typeface="Times New Roman" panose="02020603050405020304" pitchFamily="18" charset="0"/>
+                <a:cs typeface="Times New Roman" panose="02020603050405020304" pitchFamily="18" charset="0"/>
+              </a:rPr>
+              <a:t>(S-Norm)</a:t>
             </a:r>
           </a:p>
           <a:p>
@@ -26419,7 +26400,7 @@
                 <a:spcPts val="0"/>
               </a:spcBef>
               <a:spcAft>
-                <a:spcPts val="600"/>
+                <a:spcPts val="1200"/>
               </a:spcAft>
             </a:pPr>
             <a:r>
@@ -26429,25 +26410,7 @@
                 </a:solidFill>
                 <a:latin typeface="Times New Roman" panose="02020603050405020304" pitchFamily="18" charset="0"/>
               </a:rPr>
-              <a:t>Sözcüksel (</a:t>
-            </a:r>
-            <a:r>
-              <a:rPr lang="tr-TR" sz="2200" dirty="0" err="1">
-                <a:solidFill>
-                  <a:schemeClr val="accent2"/>
-                </a:solidFill>
-                <a:latin typeface="Times New Roman" panose="02020603050405020304" pitchFamily="18" charset="0"/>
-              </a:rPr>
-              <a:t>lexical</a:t>
-            </a:r>
-            <a:r>
-              <a:rPr lang="tr-TR" sz="2200" dirty="0">
-                <a:solidFill>
-                  <a:schemeClr val="accent2"/>
-                </a:solidFill>
-                <a:latin typeface="Times New Roman" panose="02020603050405020304" pitchFamily="18" charset="0"/>
-              </a:rPr>
-              <a:t>) Belirsizlik</a:t>
+              <a:t>Dilsel Belirsizliğin Modellenmesi:</a:t>
             </a:r>
           </a:p>
           <a:p>
@@ -26464,9 +26427,12 @@
             </a:pPr>
             <a:r>
               <a:rPr lang="tr-TR" sz="2200" dirty="0">
-                <a:latin typeface="Times New Roman" panose="02020603050405020304" pitchFamily="18" charset="0"/>
-              </a:rPr>
-              <a:t>Şu cümleye bakalım:</a:t>
+                <a:solidFill>
+                  <a:schemeClr val="tx2"/>
+                </a:solidFill>
+                <a:latin typeface="Times New Roman" panose="02020603050405020304" pitchFamily="18" charset="0"/>
+              </a:rPr>
+              <a:t>Subjektif kategoriler kullanan cümleler insanların karar verme sürecinde önemli rol oynamaktadırlar. </a:t>
             </a:r>
           </a:p>
           <a:p>
@@ -26483,13 +26449,16 @@
             </a:pPr>
             <a:r>
               <a:rPr lang="tr-TR" sz="2200" dirty="0">
-                <a:latin typeface="Times New Roman" panose="02020603050405020304" pitchFamily="18" charset="0"/>
-              </a:rPr>
-              <a:t>Cümle-2</a:t>
-            </a:r>
-          </a:p>
-          <a:p>
-            <a:pPr lvl="2" algn="just">
+                <a:solidFill>
+                  <a:schemeClr val="tx2"/>
+                </a:solidFill>
+                <a:latin typeface="Times New Roman" panose="02020603050405020304" pitchFamily="18" charset="0"/>
+              </a:rPr>
+              <a:t>Hatta bu cümleler nicel bilgi içermeseler bile insanlar bunları karmaşık değerlendirmelerde başarılı bir şekilde kullanabilirler.</a:t>
+            </a:r>
+          </a:p>
+          <a:p>
+            <a:pPr marL="0" lvl="1" algn="just">
               <a:lnSpc>
                 <a:spcPts val="2500"/>
               </a:lnSpc>
@@ -26502,13 +26471,16 @@
             </a:pPr>
             <a:r>
               <a:rPr lang="tr-TR" sz="2200" dirty="0">
-                <a:latin typeface="Times New Roman" panose="02020603050405020304" pitchFamily="18" charset="0"/>
-              </a:rPr>
-              <a:t>Bu yıl muhtemelen başarılı bir finansal yıl geçireceğiz.</a:t>
-            </a:r>
-          </a:p>
-          <a:p>
-            <a:pPr lvl="1" algn="just">
+                <a:solidFill>
+                  <a:schemeClr val="accent2"/>
+                </a:solidFill>
+                <a:latin typeface="Times New Roman" panose="02020603050405020304" pitchFamily="18" charset="0"/>
+              </a:rPr>
+              <a:t>İnsan Mantığı olarak Bulanık Mantık</a:t>
+            </a:r>
+          </a:p>
+          <a:p>
+            <a:pPr marL="457200" lvl="2" algn="just">
               <a:lnSpc>
                 <a:spcPts val="2500"/>
               </a:lnSpc>
@@ -26521,13 +26493,16 @@
             </a:pPr>
             <a:r>
               <a:rPr lang="tr-TR" sz="2200" dirty="0">
-                <a:latin typeface="Times New Roman" panose="02020603050405020304" pitchFamily="18" charset="0"/>
-              </a:rPr>
-              <a:t>İlk bakışta Cümle-2, Cümle-1’e benzemektedir. Ama aslında önemli farklar vardır.</a:t>
-            </a:r>
-          </a:p>
-          <a:p>
-            <a:pPr lvl="1" algn="just">
+                <a:solidFill>
+                  <a:schemeClr val="tx2"/>
+                </a:solidFill>
+                <a:latin typeface="Times New Roman" panose="02020603050405020304" pitchFamily="18" charset="0"/>
+              </a:rPr>
+              <a:t>Gerçek dünyada her bir olası durum için bir kural üretemezsiniz.</a:t>
+            </a:r>
+          </a:p>
+          <a:p>
+            <a:pPr marL="457200" lvl="2" algn="just">
               <a:lnSpc>
                 <a:spcPts val="2500"/>
               </a:lnSpc>
@@ -26540,13 +26515,16 @@
             </a:pPr>
             <a:r>
               <a:rPr lang="tr-TR" sz="2200" dirty="0">
-                <a:latin typeface="Times New Roman" panose="02020603050405020304" pitchFamily="18" charset="0"/>
-              </a:rPr>
-              <a:t>Birincisi, olay kendi başına açıkça tanımlanmamıştır. Bazı şirketler için başarılı bir yıl demek bir önceki yıldan daha fazla kar etmek iken, bazıları için aynı seviyeyi korumak, bazıları için ise zarar etmemiş olmak olabilir. Hatta bazıları için mali yılın başarılı olup olmadığını belirleyen sabit bir ölçüt olmayabilir.</a:t>
-            </a:r>
-          </a:p>
-          <a:p>
-            <a:pPr lvl="1" algn="just">
+                <a:solidFill>
+                  <a:schemeClr val="tx2"/>
+                </a:solidFill>
+                <a:latin typeface="Times New Roman" panose="02020603050405020304" pitchFamily="18" charset="0"/>
+              </a:rPr>
+              <a:t>Sürekliliği olan olası durumların çeşitli ayrık noktalarında kurallar oluşturulur ve insanlar yaklaşım ve benzerlik yolu ile olası her durum için çıkarım yapabilirler.</a:t>
+            </a:r>
+          </a:p>
+          <a:p>
+            <a:pPr marL="457200" lvl="2" algn="just">
               <a:lnSpc>
                 <a:spcPts val="2500"/>
               </a:lnSpc>
@@ -26560,29 +26538,33 @@
             <a:r>
               <a:rPr lang="tr-TR" sz="2200" dirty="0">
                 <a:solidFill>
-                  <a:schemeClr val="accent2"/>
+                  <a:schemeClr val="tx2"/>
                 </a:solidFill>
                 <a:latin typeface="Times New Roman" panose="02020603050405020304" pitchFamily="18" charset="0"/>
               </a:rPr>
-              <a:t>Sonuç olarak “başarılı bir mali yıl” konusu subjektif bir </a:t>
-            </a:r>
-            <a:r>
-              <a:rPr lang="tr-TR" sz="2200" dirty="0" err="1">
+              <a:t>Bu ise ancak kuralları oluşturan kelimelerin esnekliği ile başarılabilir.</a:t>
+            </a:r>
+          </a:p>
+          <a:p>
+            <a:pPr marL="457200" lvl="2" algn="just">
+              <a:lnSpc>
+                <a:spcPts val="2500"/>
+              </a:lnSpc>
+              <a:spcBef>
+                <a:spcPts val="0"/>
+              </a:spcBef>
+              <a:spcAft>
+                <a:spcPts val="1200"/>
+              </a:spcAft>
+            </a:pPr>
+            <a:r>
+              <a:rPr lang="tr-TR" sz="2200" dirty="0">
                 <a:solidFill>
-                  <a:schemeClr val="accent2"/>
+                  <a:schemeClr val="tx2"/>
                 </a:solidFill>
                 <a:latin typeface="Times New Roman" panose="02020603050405020304" pitchFamily="18" charset="0"/>
               </a:rPr>
-              <a:t>kategorilemedir</a:t>
-            </a:r>
-            <a:r>
-              <a:rPr lang="tr-TR" sz="2200" dirty="0">
-                <a:solidFill>
-                  <a:schemeClr val="accent2"/>
-                </a:solidFill>
-                <a:latin typeface="Times New Roman" panose="02020603050405020304" pitchFamily="18" charset="0"/>
-              </a:rPr>
-              <a:t>.</a:t>
+              <a:t>Benzerlik yoluyla soyutlama ve düşünme ise, ancak insan mantığının esnekliği ile mümkün olmaktadır.</a:t>
             </a:r>
           </a:p>
         </p:txBody>
@@ -26590,7 +26572,7 @@
     </p:spTree>
     <p:extLst>
       <p:ext uri="{BB962C8B-B14F-4D97-AF65-F5344CB8AC3E}">
-        <p14:creationId xmlns:p14="http://schemas.microsoft.com/office/powerpoint/2010/main" val="1003214393"/>
+        <p14:creationId xmlns:p14="http://schemas.microsoft.com/office/powerpoint/2010/main" val="2121202107"/>
       </p:ext>
     </p:extLst>
   </p:cSld>
@@ -26724,47 +26706,7 @@
           </a:bodyPr>
           <a:lstStyle/>
           <a:p>
-            <a:pPr algn="just">
-              <a:lnSpc>
-                <a:spcPts val="2500"/>
-              </a:lnSpc>
-              <a:spcBef>
-                <a:spcPts val="0"/>
-              </a:spcBef>
-              <a:spcAft>
-                <a:spcPts val="600"/>
-              </a:spcAft>
-            </a:pPr>
-            <a:r>
-              <a:rPr lang="tr-TR" sz="2200" dirty="0">
-                <a:solidFill>
-                  <a:schemeClr val="accent2"/>
-                </a:solidFill>
-                <a:latin typeface="Times New Roman" panose="02020603050405020304" pitchFamily="18" charset="0"/>
-              </a:rPr>
-              <a:t>Sözcüksel (</a:t>
-            </a:r>
-            <a:r>
-              <a:rPr lang="tr-TR" sz="2200" dirty="0" err="1">
-                <a:solidFill>
-                  <a:schemeClr val="accent2"/>
-                </a:solidFill>
-                <a:latin typeface="Times New Roman" panose="02020603050405020304" pitchFamily="18" charset="0"/>
-              </a:rPr>
-              <a:t>lexical</a:t>
-            </a:r>
-            <a:r>
-              <a:rPr lang="tr-TR" sz="2200" dirty="0">
-                <a:solidFill>
-                  <a:schemeClr val="accent2"/>
-                </a:solidFill>
-                <a:latin typeface="Times New Roman" panose="02020603050405020304" pitchFamily="18" charset="0"/>
-              </a:rPr>
-              <a:t>) Belirsizlik</a:t>
-            </a:r>
-          </a:p>
-          <a:p>
-            <a:pPr lvl="1" algn="just">
+            <a:pPr marL="0" lvl="1" algn="just">
               <a:lnSpc>
                 <a:spcPts val="2500"/>
               </a:lnSpc>
@@ -26778,15 +26720,15 @@
             <a:r>
               <a:rPr lang="tr-TR" sz="2200" dirty="0">
                 <a:solidFill>
-                  <a:schemeClr val="tx2"/>
+                  <a:schemeClr val="accent2"/>
                 </a:solidFill>
                 <a:latin typeface="Times New Roman" panose="02020603050405020304" pitchFamily="18" charset="0"/>
               </a:rPr>
-              <a:t>Diğer bir fark ise, olasılığı ifade eden tanımlamada yatmaktadır. </a:t>
-            </a:r>
-          </a:p>
-          <a:p>
-            <a:pPr lvl="1" algn="just">
+              <a:t>İnsan Mantığı olarak Bulanık Mantık</a:t>
+            </a:r>
+          </a:p>
+          <a:p>
+            <a:pPr marL="457200" lvl="2" algn="just">
               <a:lnSpc>
                 <a:spcPts val="2500"/>
               </a:lnSpc>
@@ -26800,15 +26742,15 @@
             <a:r>
               <a:rPr lang="tr-TR" sz="2200" dirty="0">
                 <a:solidFill>
-                  <a:schemeClr val="tx2"/>
+                  <a:srgbClr val="FF0000"/>
                 </a:solidFill>
                 <a:latin typeface="Times New Roman" panose="02020603050405020304" pitchFamily="18" charset="0"/>
               </a:rPr>
-              <a:t>Birinci cümlede olasılık matematiksel olarak açıklanırken, ikinci cümle olasılığın miktarını ölçmemektedir.</a:t>
-            </a:r>
-          </a:p>
-          <a:p>
-            <a:pPr lvl="1" algn="just">
+              <a:t>Bu insan mantığını mühendislik problemlerinin çözümüne uygulamak için, bir matematik model gereklidir.</a:t>
+            </a:r>
+          </a:p>
+          <a:p>
+            <a:pPr marL="457200" lvl="2" algn="just">
               <a:lnSpc>
                 <a:spcPts val="2500"/>
               </a:lnSpc>
@@ -26826,11 +26768,11 @@
                 </a:solidFill>
                 <a:latin typeface="Times New Roman" panose="02020603050405020304" pitchFamily="18" charset="0"/>
               </a:rPr>
-              <a:t>İkinci cümledeki olasılık tanımı, birinci cümlede olduğu gibi matematiksel değil algılamaya dayalı bir olasılıktır. </a:t>
-            </a:r>
-          </a:p>
-          <a:p>
-            <a:pPr lvl="1" algn="just">
+              <a:t>Bulanık Mantık bu matematik model için geliştirilmiştir.</a:t>
+            </a:r>
+          </a:p>
+          <a:p>
+            <a:pPr marL="457200" lvl="2" algn="just">
               <a:lnSpc>
                 <a:spcPts val="2500"/>
               </a:lnSpc>
@@ -26844,29 +26786,11 @@
             <a:r>
               <a:rPr lang="tr-TR" sz="2200" dirty="0">
                 <a:solidFill>
-                  <a:schemeClr val="tx2"/>
+                  <a:srgbClr val="FF0000"/>
                 </a:solidFill>
                 <a:latin typeface="Times New Roman" panose="02020603050405020304" pitchFamily="18" charset="0"/>
               </a:rPr>
-              <a:t>İkinci cümledeki olasılık ta subjektif bir </a:t>
-            </a:r>
-            <a:r>
-              <a:rPr lang="tr-TR" sz="2200" dirty="0" err="1">
-                <a:solidFill>
-                  <a:schemeClr val="tx2"/>
-                </a:solidFill>
-                <a:latin typeface="Times New Roman" panose="02020603050405020304" pitchFamily="18" charset="0"/>
-              </a:rPr>
-              <a:t>kategorilemedir</a:t>
-            </a:r>
-            <a:r>
-              <a:rPr lang="tr-TR" sz="2200" dirty="0">
-                <a:solidFill>
-                  <a:schemeClr val="tx2"/>
-                </a:solidFill>
-                <a:latin typeface="Times New Roman" panose="02020603050405020304" pitchFamily="18" charset="0"/>
-              </a:rPr>
-              <a:t>. (uzun adam da olduğu gibi)</a:t>
+              <a:t>Bulanık Mantık insanın karar verme ve değerlendirme süreçlerini algoritmik biçimde temsil etmeyi sağlamaktadır.</a:t>
             </a:r>
           </a:p>
         </p:txBody>
@@ -26874,7 +26798,7 @@
     </p:spTree>
     <p:extLst>
       <p:ext uri="{BB962C8B-B14F-4D97-AF65-F5344CB8AC3E}">
-        <p14:creationId xmlns:p14="http://schemas.microsoft.com/office/powerpoint/2010/main" val="808479235"/>
+        <p14:creationId xmlns:p14="http://schemas.microsoft.com/office/powerpoint/2010/main" val="553796632"/>
       </p:ext>
     </p:extLst>
   </p:cSld>
@@ -26903,46 +26827,10 @@
       </p:grpSpPr>
       <p:sp>
         <p:nvSpPr>
-          <p:cNvPr id="4" name="Başlık 3">
-            <a:extLst>
-              <a:ext uri="{FF2B5EF4-FFF2-40B4-BE49-F238E27FC236}">
-                <a16:creationId xmlns:a16="http://schemas.microsoft.com/office/drawing/2014/main" id="{55E27C7C-4B68-4BBC-BF36-8959D8493E4A}"/>
-              </a:ext>
-            </a:extLst>
-          </p:cNvPr>
-          <p:cNvSpPr>
-            <a:spLocks noGrp="1"/>
-          </p:cNvSpPr>
-          <p:nvPr>
-            <p:ph type="title"/>
-          </p:nvPr>
-        </p:nvSpPr>
-        <p:spPr>
-          <a:xfrm>
-            <a:off x="838200" y="443154"/>
-            <a:ext cx="10515600" cy="610821"/>
-          </a:xfrm>
-        </p:spPr>
-        <p:txBody>
-          <a:bodyPr rtlCol="0">
-            <a:normAutofit fontScale="90000"/>
-          </a:bodyPr>
-          <a:lstStyle/>
-          <a:p>
-            <a:pPr rtl="0"/>
-            <a:r>
-              <a:rPr lang="tr-TR" sz="4000" dirty="0"/>
-              <a:t>BELİRSİZLİĞİN MATEMATİKSEL TEMELLERİ</a:t>
-            </a:r>
-          </a:p>
-        </p:txBody>
-      </p:sp>
-      <p:sp>
-        <p:nvSpPr>
-          <p:cNvPr id="9" name="Slayt Numarası Yer Tutucusu 5">
-            <a:extLst>
-              <a:ext uri="{FF2B5EF4-FFF2-40B4-BE49-F238E27FC236}">
-                <a16:creationId xmlns:a16="http://schemas.microsoft.com/office/drawing/2014/main" id="{4FC290B8-BF94-4636-BFAB-9FD67F4AAC6D}"/>
+          <p:cNvPr id="24" name="Slayt Numarası Yer Tutucusu 23">
+            <a:extLst>
+              <a:ext uri="{FF2B5EF4-FFF2-40B4-BE49-F238E27FC236}">
+                <a16:creationId xmlns:a16="http://schemas.microsoft.com/office/drawing/2014/main" id="{5D838446-B95D-4AB7-B8CA-D5804BB79A11}"/>
               </a:ext>
             </a:extLst>
           </p:cNvPr>
@@ -26953,242 +26841,175 @@
             <p:ph type="sldNum" sz="quarter" idx="12"/>
           </p:nvPr>
         </p:nvSpPr>
-        <p:spPr>
-          <a:xfrm>
-            <a:off x="8610600" y="6356350"/>
-            <a:ext cx="2743200" cy="365125"/>
-          </a:xfrm>
-        </p:spPr>
+        <p:spPr/>
         <p:txBody>
           <a:bodyPr rtlCol="0"/>
           <a:lstStyle/>
           <a:p>
             <a:pPr rtl="0"/>
             <a:fld id="{D8DA9DAA-006C-4F4B-980E-E3DF019B24E2}" type="slidenum">
-              <a:rPr lang="tr-TR" b="1" cap="all" spc="100" smtClean="0">
-                <a:solidFill>
-                  <a:schemeClr val="accent2"/>
-                </a:solidFill>
-              </a:rPr>
+              <a:rPr lang="tr-TR" smtClean="0"/>
+              <a:pPr rtl="0"/>
               <a:t>45</a:t>
             </a:fld>
-            <a:endParaRPr lang="tr-TR" b="1" cap="all" spc="100" dirty="0">
-              <a:solidFill>
-                <a:schemeClr val="accent2"/>
-              </a:solidFill>
-            </a:endParaRPr>
-          </a:p>
-        </p:txBody>
-      </p:sp>
-      <p:sp>
-        <p:nvSpPr>
-          <p:cNvPr id="3" name="İçerik Yer Tutucusu 2">
-            <a:extLst>
-              <a:ext uri="{FF2B5EF4-FFF2-40B4-BE49-F238E27FC236}">
-                <a16:creationId xmlns:a16="http://schemas.microsoft.com/office/drawing/2014/main" id="{839B2505-A752-6959-A64F-4ADB0FD16C45}"/>
-              </a:ext>
-            </a:extLst>
-          </p:cNvPr>
-          <p:cNvSpPr>
-            <a:spLocks noGrp="1"/>
-          </p:cNvSpPr>
-          <p:nvPr>
-            <p:ph idx="1"/>
-          </p:nvPr>
-        </p:nvSpPr>
-        <p:spPr>
-          <a:xfrm>
-            <a:off x="838200" y="1053975"/>
-            <a:ext cx="10515600" cy="5302374"/>
-          </a:xfrm>
-        </p:spPr>
-        <p:txBody>
-          <a:bodyPr>
-            <a:noAutofit/>
-          </a:bodyPr>
+            <a:endParaRPr lang="tr-TR"/>
+          </a:p>
+        </p:txBody>
+      </p:sp>
+      <p:sp>
+        <p:nvSpPr>
+          <p:cNvPr id="23" name="Alt Bilgi Yer Tutucusu 22">
+            <a:extLst>
+              <a:ext uri="{FF2B5EF4-FFF2-40B4-BE49-F238E27FC236}">
+                <a16:creationId xmlns:a16="http://schemas.microsoft.com/office/drawing/2014/main" id="{DE8D546E-0F46-4CC0-B2B1-8B2430D00C0C}"/>
+              </a:ext>
+            </a:extLst>
+          </p:cNvPr>
+          <p:cNvSpPr>
+            <a:spLocks noGrp="1"/>
+          </p:cNvSpPr>
+          <p:nvPr>
+            <p:ph type="ftr" sz="quarter" idx="11"/>
+          </p:nvPr>
+        </p:nvSpPr>
+        <p:spPr/>
+        <p:txBody>
+          <a:bodyPr rtlCol="0"/>
           <a:lstStyle/>
           <a:p>
-            <a:pPr algn="just">
-              <a:lnSpc>
-                <a:spcPts val="2500"/>
-              </a:lnSpc>
-              <a:spcBef>
-                <a:spcPts val="0"/>
-              </a:spcBef>
-              <a:spcAft>
-                <a:spcPts val="1200"/>
-              </a:spcAft>
-            </a:pPr>
-            <a:r>
-              <a:rPr lang="tr-TR" sz="2200" dirty="0">
-                <a:solidFill>
-                  <a:schemeClr val="accent2"/>
-                </a:solidFill>
-                <a:latin typeface="Times New Roman" panose="02020603050405020304" pitchFamily="18" charset="0"/>
-              </a:rPr>
-              <a:t>Dilsel Belirsizliğin Modellenmesi:</a:t>
-            </a:r>
-          </a:p>
-          <a:p>
-            <a:pPr lvl="1" algn="just">
-              <a:lnSpc>
-                <a:spcPts val="2500"/>
-              </a:lnSpc>
-              <a:spcBef>
-                <a:spcPts val="0"/>
-              </a:spcBef>
-              <a:spcAft>
-                <a:spcPts val="1200"/>
-              </a:spcAft>
-            </a:pPr>
-            <a:r>
-              <a:rPr lang="tr-TR" sz="2200" dirty="0">
-                <a:solidFill>
-                  <a:schemeClr val="tx2"/>
-                </a:solidFill>
-                <a:latin typeface="Times New Roman" panose="02020603050405020304" pitchFamily="18" charset="0"/>
-              </a:rPr>
-              <a:t>Subjektif kategoriler kullanan cümleler insanların karar verme sürecinde önemli rol oynamaktadırlar. </a:t>
-            </a:r>
-          </a:p>
-          <a:p>
-            <a:pPr lvl="1" algn="just">
-              <a:lnSpc>
-                <a:spcPts val="2500"/>
-              </a:lnSpc>
-              <a:spcBef>
-                <a:spcPts val="0"/>
-              </a:spcBef>
-              <a:spcAft>
-                <a:spcPts val="1200"/>
-              </a:spcAft>
-            </a:pPr>
-            <a:r>
-              <a:rPr lang="tr-TR" sz="2200" dirty="0">
-                <a:solidFill>
-                  <a:schemeClr val="tx2"/>
-                </a:solidFill>
-                <a:latin typeface="Times New Roman" panose="02020603050405020304" pitchFamily="18" charset="0"/>
-              </a:rPr>
-              <a:t>Hatta bu cümleler nicel bilgi içermeseler bile insanlar bunları karmaşık değerlendirmelerde başarılı bir şekilde kullanabilirler.</a:t>
-            </a:r>
-          </a:p>
-          <a:p>
-            <a:pPr marL="0" lvl="1" algn="just">
-              <a:lnSpc>
-                <a:spcPts val="2500"/>
-              </a:lnSpc>
-              <a:spcBef>
-                <a:spcPts val="0"/>
-              </a:spcBef>
-              <a:spcAft>
-                <a:spcPts val="1200"/>
-              </a:spcAft>
-            </a:pPr>
-            <a:r>
-              <a:rPr lang="tr-TR" sz="2200" dirty="0">
-                <a:solidFill>
-                  <a:schemeClr val="accent2"/>
-                </a:solidFill>
-                <a:latin typeface="Times New Roman" panose="02020603050405020304" pitchFamily="18" charset="0"/>
-              </a:rPr>
-              <a:t>İnsan Mantığı olarak Bulanık Mantık</a:t>
-            </a:r>
-          </a:p>
-          <a:p>
-            <a:pPr marL="457200" lvl="2" algn="just">
-              <a:lnSpc>
-                <a:spcPts val="2500"/>
-              </a:lnSpc>
-              <a:spcBef>
-                <a:spcPts val="0"/>
-              </a:spcBef>
-              <a:spcAft>
-                <a:spcPts val="1200"/>
-              </a:spcAft>
-            </a:pPr>
-            <a:r>
-              <a:rPr lang="tr-TR" sz="2200" dirty="0">
-                <a:solidFill>
-                  <a:schemeClr val="tx2"/>
-                </a:solidFill>
-                <a:latin typeface="Times New Roman" panose="02020603050405020304" pitchFamily="18" charset="0"/>
-              </a:rPr>
-              <a:t>Gerçek dünyada her bir olası durum için bir kural üretemezsiniz.</a:t>
-            </a:r>
-          </a:p>
-          <a:p>
-            <a:pPr marL="457200" lvl="2" algn="just">
-              <a:lnSpc>
-                <a:spcPts val="2500"/>
-              </a:lnSpc>
-              <a:spcBef>
-                <a:spcPts val="0"/>
-              </a:spcBef>
-              <a:spcAft>
-                <a:spcPts val="1200"/>
-              </a:spcAft>
-            </a:pPr>
-            <a:r>
-              <a:rPr lang="tr-TR" sz="2200" dirty="0">
-                <a:solidFill>
-                  <a:schemeClr val="tx2"/>
-                </a:solidFill>
-                <a:latin typeface="Times New Roman" panose="02020603050405020304" pitchFamily="18" charset="0"/>
-              </a:rPr>
-              <a:t>Sürekliliği olan olası durumların çeşitli ayrık noktalarında kurallar oluşturulur ve insanlar yaklaşım ve benzerlik yolu ile olası her durum için çıkarım yapabilirler.</a:t>
-            </a:r>
-          </a:p>
-          <a:p>
-            <a:pPr marL="457200" lvl="2" algn="just">
-              <a:lnSpc>
-                <a:spcPts val="2500"/>
-              </a:lnSpc>
-              <a:spcBef>
-                <a:spcPts val="0"/>
-              </a:spcBef>
-              <a:spcAft>
-                <a:spcPts val="1200"/>
-              </a:spcAft>
-            </a:pPr>
-            <a:r>
-              <a:rPr lang="tr-TR" sz="2200" dirty="0">
-                <a:solidFill>
-                  <a:schemeClr val="tx2"/>
-                </a:solidFill>
-                <a:latin typeface="Times New Roman" panose="02020603050405020304" pitchFamily="18" charset="0"/>
-              </a:rPr>
-              <a:t>Bu ise ancak kuralları oluşturan kelimelerin esnekliği ile başarılabilir.</a:t>
-            </a:r>
-          </a:p>
-          <a:p>
-            <a:pPr marL="457200" lvl="2" algn="just">
-              <a:lnSpc>
-                <a:spcPts val="2500"/>
-              </a:lnSpc>
-              <a:spcBef>
-                <a:spcPts val="0"/>
-              </a:spcBef>
-              <a:spcAft>
-                <a:spcPts val="1200"/>
-              </a:spcAft>
-            </a:pPr>
-            <a:r>
-              <a:rPr lang="tr-TR" sz="2200" dirty="0">
-                <a:solidFill>
-                  <a:schemeClr val="tx2"/>
-                </a:solidFill>
-                <a:latin typeface="Times New Roman" panose="02020603050405020304" pitchFamily="18" charset="0"/>
-              </a:rPr>
-              <a:t>Benzerlik yoluyla soyutlama ve düşünme ise, ancak insan mantığının esnekliği ile mümkün olmaktadır.</a:t>
-            </a:r>
-          </a:p>
-        </p:txBody>
-      </p:sp>
+            <a:pPr rtl="0"/>
+            <a:r>
+              <a:rPr lang="tr-TR" dirty="0"/>
+              <a:t>Bulanık Mantık</a:t>
+            </a:r>
+          </a:p>
+        </p:txBody>
+      </p:sp>
+      <p:pic>
+        <p:nvPicPr>
+          <p:cNvPr id="9" name="Resim Yer Tutucusu 8" descr="gün batımı sırasında dağlar">
+            <a:extLst>
+              <a:ext uri="{FF2B5EF4-FFF2-40B4-BE49-F238E27FC236}">
+                <a16:creationId xmlns:a16="http://schemas.microsoft.com/office/drawing/2014/main" id="{C82DA925-978C-48A9-98AD-0653B7A3D2D9}"/>
+              </a:ext>
+            </a:extLst>
+          </p:cNvPr>
+          <p:cNvPicPr>
+            <a:picLocks noGrp="1" noChangeAspect="1"/>
+          </p:cNvPicPr>
+          <p:nvPr>
+            <p:ph type="pic" sz="quarter" idx="14"/>
+          </p:nvPr>
+        </p:nvPicPr>
+        <p:blipFill rotWithShape="1">
+          <a:blip r:embed="rId3"/>
+          <a:srcRect t="41" b="41"/>
+          <a:stretch/>
+        </p:blipFill>
+        <p:spPr/>
+      </p:pic>
+      <p:pic>
+        <p:nvPicPr>
+          <p:cNvPr id="11" name="Resim Yer Tutucusu 10" descr="gün batımı sırasında dağlar">
+            <a:extLst>
+              <a:ext uri="{FF2B5EF4-FFF2-40B4-BE49-F238E27FC236}">
+                <a16:creationId xmlns:a16="http://schemas.microsoft.com/office/drawing/2014/main" id="{E63B7C3F-04A4-43F6-881D-FA11061CBAFA}"/>
+              </a:ext>
+            </a:extLst>
+          </p:cNvPr>
+          <p:cNvPicPr>
+            <a:picLocks noGrp="1" noChangeAspect="1"/>
+          </p:cNvPicPr>
+          <p:nvPr>
+            <p:ph type="pic" sz="quarter" idx="15"/>
+          </p:nvPr>
+        </p:nvPicPr>
+        <p:blipFill rotWithShape="1">
+          <a:blip r:embed="rId4"/>
+          <a:srcRect t="347" b="347"/>
+          <a:stretch/>
+        </p:blipFill>
+        <p:spPr/>
+      </p:pic>
+      <p:sp>
+        <p:nvSpPr>
+          <p:cNvPr id="6" name="Başlık 5">
+            <a:extLst>
+              <a:ext uri="{FF2B5EF4-FFF2-40B4-BE49-F238E27FC236}">
+                <a16:creationId xmlns:a16="http://schemas.microsoft.com/office/drawing/2014/main" id="{FF777B66-94CB-491C-AC6B-BDAC98E21D57}"/>
+              </a:ext>
+            </a:extLst>
+          </p:cNvPr>
+          <p:cNvSpPr>
+            <a:spLocks noGrp="1"/>
+          </p:cNvSpPr>
+          <p:nvPr>
+            <p:ph type="title"/>
+          </p:nvPr>
+        </p:nvSpPr>
+        <p:spPr/>
+        <p:txBody>
+          <a:bodyPr rtlCol="0"/>
+          <a:lstStyle/>
+          <a:p>
+            <a:pPr rtl="0"/>
+            <a:r>
+              <a:rPr lang="tr-TR" dirty="0"/>
+              <a:t>SORULAR…</a:t>
+            </a:r>
+          </a:p>
+        </p:txBody>
+      </p:sp>
+      <p:pic>
+        <p:nvPicPr>
+          <p:cNvPr id="15" name="Resim Yer Tutucusu 14" descr="alacakaranlık gökyüzünün altındaki dağlar">
+            <a:extLst>
+              <a:ext uri="{FF2B5EF4-FFF2-40B4-BE49-F238E27FC236}">
+                <a16:creationId xmlns:a16="http://schemas.microsoft.com/office/drawing/2014/main" id="{3D15FDC1-74B5-4FD8-BD17-0E2502C411A6}"/>
+              </a:ext>
+            </a:extLst>
+          </p:cNvPr>
+          <p:cNvPicPr>
+            <a:picLocks noGrp="1" noChangeAspect="1"/>
+          </p:cNvPicPr>
+          <p:nvPr>
+            <p:ph type="pic" sz="quarter" idx="17"/>
+          </p:nvPr>
+        </p:nvPicPr>
+        <p:blipFill rotWithShape="1">
+          <a:blip r:embed="rId5"/>
+          <a:srcRect l="16" r="16"/>
+          <a:stretch/>
+        </p:blipFill>
+        <p:spPr/>
+      </p:pic>
+      <p:pic>
+        <p:nvPicPr>
+          <p:cNvPr id="13" name="Resim Yer Tutucusu 12" descr="şafaktan hemen önce, karanlık gökyüzünün altındaki dağlar">
+            <a:extLst>
+              <a:ext uri="{FF2B5EF4-FFF2-40B4-BE49-F238E27FC236}">
+                <a16:creationId xmlns:a16="http://schemas.microsoft.com/office/drawing/2014/main" id="{E02C4914-F076-4415-9C5D-A9BDB6CC6110}"/>
+              </a:ext>
+            </a:extLst>
+          </p:cNvPr>
+          <p:cNvPicPr>
+            <a:picLocks noGrp="1" noChangeAspect="1"/>
+          </p:cNvPicPr>
+          <p:nvPr>
+            <p:ph type="pic" sz="quarter" idx="16"/>
+          </p:nvPr>
+        </p:nvPicPr>
+        <p:blipFill rotWithShape="1">
+          <a:blip r:embed="rId6"/>
+          <a:srcRect t="108" b="108"/>
+          <a:stretch/>
+        </p:blipFill>
+        <p:spPr/>
+      </p:pic>
     </p:spTree>
     <p:extLst>
       <p:ext uri="{BB962C8B-B14F-4D97-AF65-F5344CB8AC3E}">
-        <p14:creationId xmlns:p14="http://schemas.microsoft.com/office/powerpoint/2010/main" val="2121202107"/>
+        <p14:creationId xmlns:p14="http://schemas.microsoft.com/office/powerpoint/2010/main" val="927313156"/>
       </p:ext>
     </p:extLst>
   </p:cSld>
@@ -27233,20 +27054,20 @@
         </p:nvSpPr>
         <p:spPr>
           <a:xfrm>
-            <a:off x="838200" y="443154"/>
+            <a:off x="838200" y="294699"/>
             <a:ext cx="10515600" cy="610821"/>
           </a:xfrm>
         </p:spPr>
         <p:txBody>
           <a:bodyPr rtlCol="0">
-            <a:normAutofit fontScale="90000"/>
+            <a:noAutofit/>
           </a:bodyPr>
           <a:lstStyle/>
           <a:p>
-            <a:pPr rtl="0"/>
-            <a:r>
-              <a:rPr lang="tr-TR" sz="4000" dirty="0"/>
-              <a:t>BELİRSİZLİĞİN MATEMATİKSEL TEMELLERİ</a:t>
+            <a:pPr algn="ctr" rtl="0"/>
+            <a:r>
+              <a:rPr lang="tr-TR" sz="2800" dirty="0"/>
+              <a:t>Kaynakça</a:t>
             </a:r>
           </a:p>
         </p:txBody>
@@ -27285,443 +27106,6 @@
                 </a:solidFill>
               </a:rPr>
               <a:t>46</a:t>
-            </a:fld>
-            <a:endParaRPr lang="tr-TR" b="1" cap="all" spc="100" dirty="0">
-              <a:solidFill>
-                <a:schemeClr val="accent2"/>
-              </a:solidFill>
-            </a:endParaRPr>
-          </a:p>
-        </p:txBody>
-      </p:sp>
-      <p:sp>
-        <p:nvSpPr>
-          <p:cNvPr id="3" name="İçerik Yer Tutucusu 2">
-            <a:extLst>
-              <a:ext uri="{FF2B5EF4-FFF2-40B4-BE49-F238E27FC236}">
-                <a16:creationId xmlns:a16="http://schemas.microsoft.com/office/drawing/2014/main" id="{839B2505-A752-6959-A64F-4ADB0FD16C45}"/>
-              </a:ext>
-            </a:extLst>
-          </p:cNvPr>
-          <p:cNvSpPr>
-            <a:spLocks noGrp="1"/>
-          </p:cNvSpPr>
-          <p:nvPr>
-            <p:ph idx="1"/>
-          </p:nvPr>
-        </p:nvSpPr>
-        <p:spPr>
-          <a:xfrm>
-            <a:off x="838200" y="1053975"/>
-            <a:ext cx="10515600" cy="5302374"/>
-          </a:xfrm>
-        </p:spPr>
-        <p:txBody>
-          <a:bodyPr>
-            <a:noAutofit/>
-          </a:bodyPr>
-          <a:lstStyle/>
-          <a:p>
-            <a:pPr marL="0" lvl="1" algn="just">
-              <a:lnSpc>
-                <a:spcPts val="2500"/>
-              </a:lnSpc>
-              <a:spcBef>
-                <a:spcPts val="0"/>
-              </a:spcBef>
-              <a:spcAft>
-                <a:spcPts val="1200"/>
-              </a:spcAft>
-            </a:pPr>
-            <a:r>
-              <a:rPr lang="tr-TR" sz="2200" dirty="0">
-                <a:solidFill>
-                  <a:schemeClr val="accent2"/>
-                </a:solidFill>
-                <a:latin typeface="Times New Roman" panose="02020603050405020304" pitchFamily="18" charset="0"/>
-              </a:rPr>
-              <a:t>İnsan Mantığı olarak Bulanık Mantık</a:t>
-            </a:r>
-          </a:p>
-          <a:p>
-            <a:pPr marL="457200" lvl="2" algn="just">
-              <a:lnSpc>
-                <a:spcPts val="2500"/>
-              </a:lnSpc>
-              <a:spcBef>
-                <a:spcPts val="0"/>
-              </a:spcBef>
-              <a:spcAft>
-                <a:spcPts val="1200"/>
-              </a:spcAft>
-            </a:pPr>
-            <a:r>
-              <a:rPr lang="tr-TR" sz="2200" dirty="0">
-                <a:solidFill>
-                  <a:srgbClr val="FF0000"/>
-                </a:solidFill>
-                <a:latin typeface="Times New Roman" panose="02020603050405020304" pitchFamily="18" charset="0"/>
-              </a:rPr>
-              <a:t>Bu insan mantığını mühendislik problemlerinin çözümüne uygulamak için, bir matematik model gereklidir.</a:t>
-            </a:r>
-          </a:p>
-          <a:p>
-            <a:pPr marL="457200" lvl="2" algn="just">
-              <a:lnSpc>
-                <a:spcPts val="2500"/>
-              </a:lnSpc>
-              <a:spcBef>
-                <a:spcPts val="0"/>
-              </a:spcBef>
-              <a:spcAft>
-                <a:spcPts val="1200"/>
-              </a:spcAft>
-            </a:pPr>
-            <a:r>
-              <a:rPr lang="tr-TR" sz="2200" dirty="0">
-                <a:solidFill>
-                  <a:schemeClr val="tx2"/>
-                </a:solidFill>
-                <a:latin typeface="Times New Roman" panose="02020603050405020304" pitchFamily="18" charset="0"/>
-              </a:rPr>
-              <a:t>Bulanık Mantık bu matematik model için geliştirilmiştir.</a:t>
-            </a:r>
-          </a:p>
-          <a:p>
-            <a:pPr marL="457200" lvl="2" algn="just">
-              <a:lnSpc>
-                <a:spcPts val="2500"/>
-              </a:lnSpc>
-              <a:spcBef>
-                <a:spcPts val="0"/>
-              </a:spcBef>
-              <a:spcAft>
-                <a:spcPts val="1200"/>
-              </a:spcAft>
-            </a:pPr>
-            <a:r>
-              <a:rPr lang="tr-TR" sz="2200" dirty="0">
-                <a:solidFill>
-                  <a:srgbClr val="FF0000"/>
-                </a:solidFill>
-                <a:latin typeface="Times New Roman" panose="02020603050405020304" pitchFamily="18" charset="0"/>
-              </a:rPr>
-              <a:t>Bulanık Mantık insanın karar verme ve değerlendirme süreçlerini algoritmik biçimde temsil etmeyi sağlamaktadır.</a:t>
-            </a:r>
-          </a:p>
-        </p:txBody>
-      </p:sp>
-    </p:spTree>
-    <p:extLst>
-      <p:ext uri="{BB962C8B-B14F-4D97-AF65-F5344CB8AC3E}">
-        <p14:creationId xmlns:p14="http://schemas.microsoft.com/office/powerpoint/2010/main" val="553796632"/>
-      </p:ext>
-    </p:extLst>
-  </p:cSld>
-  <p:clrMapOvr>
-    <a:masterClrMapping/>
-  </p:clrMapOvr>
-</p:sld>
-</file>
-
-<file path=ppt/slides/slide47.xml><?xml version="1.0" encoding="utf-8"?>
-<p:sld xmlns:a="http://schemas.openxmlformats.org/drawingml/2006/main" xmlns:r="http://schemas.openxmlformats.org/officeDocument/2006/relationships" xmlns:p="http://schemas.openxmlformats.org/presentationml/2006/main">
-  <p:cSld>
-    <p:spTree>
-      <p:nvGrpSpPr>
-        <p:cNvPr id="1" name=""/>
-        <p:cNvGrpSpPr/>
-        <p:nvPr/>
-      </p:nvGrpSpPr>
-      <p:grpSpPr>
-        <a:xfrm>
-          <a:off x="0" y="0"/>
-          <a:ext cx="0" cy="0"/>
-          <a:chOff x="0" y="0"/>
-          <a:chExt cx="0" cy="0"/>
-        </a:xfrm>
-      </p:grpSpPr>
-      <p:sp>
-        <p:nvSpPr>
-          <p:cNvPr id="24" name="Slayt Numarası Yer Tutucusu 23">
-            <a:extLst>
-              <a:ext uri="{FF2B5EF4-FFF2-40B4-BE49-F238E27FC236}">
-                <a16:creationId xmlns:a16="http://schemas.microsoft.com/office/drawing/2014/main" id="{5D838446-B95D-4AB7-B8CA-D5804BB79A11}"/>
-              </a:ext>
-            </a:extLst>
-          </p:cNvPr>
-          <p:cNvSpPr>
-            <a:spLocks noGrp="1"/>
-          </p:cNvSpPr>
-          <p:nvPr>
-            <p:ph type="sldNum" sz="quarter" idx="12"/>
-          </p:nvPr>
-        </p:nvSpPr>
-        <p:spPr/>
-        <p:txBody>
-          <a:bodyPr rtlCol="0"/>
-          <a:lstStyle/>
-          <a:p>
-            <a:pPr rtl="0"/>
-            <a:fld id="{D8DA9DAA-006C-4F4B-980E-E3DF019B24E2}" type="slidenum">
-              <a:rPr lang="tr-TR" smtClean="0"/>
-              <a:pPr rtl="0"/>
-              <a:t>47</a:t>
-            </a:fld>
-            <a:endParaRPr lang="tr-TR"/>
-          </a:p>
-        </p:txBody>
-      </p:sp>
-      <p:sp>
-        <p:nvSpPr>
-          <p:cNvPr id="23" name="Alt Bilgi Yer Tutucusu 22">
-            <a:extLst>
-              <a:ext uri="{FF2B5EF4-FFF2-40B4-BE49-F238E27FC236}">
-                <a16:creationId xmlns:a16="http://schemas.microsoft.com/office/drawing/2014/main" id="{DE8D546E-0F46-4CC0-B2B1-8B2430D00C0C}"/>
-              </a:ext>
-            </a:extLst>
-          </p:cNvPr>
-          <p:cNvSpPr>
-            <a:spLocks noGrp="1"/>
-          </p:cNvSpPr>
-          <p:nvPr>
-            <p:ph type="ftr" sz="quarter" idx="11"/>
-          </p:nvPr>
-        </p:nvSpPr>
-        <p:spPr/>
-        <p:txBody>
-          <a:bodyPr rtlCol="0"/>
-          <a:lstStyle/>
-          <a:p>
-            <a:pPr rtl="0"/>
-            <a:r>
-              <a:rPr lang="tr-TR" dirty="0"/>
-              <a:t>Bulanık Mantık</a:t>
-            </a:r>
-          </a:p>
-        </p:txBody>
-      </p:sp>
-      <p:pic>
-        <p:nvPicPr>
-          <p:cNvPr id="9" name="Resim Yer Tutucusu 8" descr="gün batımı sırasında dağlar">
-            <a:extLst>
-              <a:ext uri="{FF2B5EF4-FFF2-40B4-BE49-F238E27FC236}">
-                <a16:creationId xmlns:a16="http://schemas.microsoft.com/office/drawing/2014/main" id="{C82DA925-978C-48A9-98AD-0653B7A3D2D9}"/>
-              </a:ext>
-            </a:extLst>
-          </p:cNvPr>
-          <p:cNvPicPr>
-            <a:picLocks noGrp="1" noChangeAspect="1"/>
-          </p:cNvPicPr>
-          <p:nvPr>
-            <p:ph type="pic" sz="quarter" idx="14"/>
-          </p:nvPr>
-        </p:nvPicPr>
-        <p:blipFill rotWithShape="1">
-          <a:blip r:embed="rId3"/>
-          <a:srcRect t="41" b="41"/>
-          <a:stretch/>
-        </p:blipFill>
-        <p:spPr/>
-      </p:pic>
-      <p:pic>
-        <p:nvPicPr>
-          <p:cNvPr id="11" name="Resim Yer Tutucusu 10" descr="gün batımı sırasında dağlar">
-            <a:extLst>
-              <a:ext uri="{FF2B5EF4-FFF2-40B4-BE49-F238E27FC236}">
-                <a16:creationId xmlns:a16="http://schemas.microsoft.com/office/drawing/2014/main" id="{E63B7C3F-04A4-43F6-881D-FA11061CBAFA}"/>
-              </a:ext>
-            </a:extLst>
-          </p:cNvPr>
-          <p:cNvPicPr>
-            <a:picLocks noGrp="1" noChangeAspect="1"/>
-          </p:cNvPicPr>
-          <p:nvPr>
-            <p:ph type="pic" sz="quarter" idx="15"/>
-          </p:nvPr>
-        </p:nvPicPr>
-        <p:blipFill rotWithShape="1">
-          <a:blip r:embed="rId4"/>
-          <a:srcRect t="347" b="347"/>
-          <a:stretch/>
-        </p:blipFill>
-        <p:spPr/>
-      </p:pic>
-      <p:sp>
-        <p:nvSpPr>
-          <p:cNvPr id="6" name="Başlık 5">
-            <a:extLst>
-              <a:ext uri="{FF2B5EF4-FFF2-40B4-BE49-F238E27FC236}">
-                <a16:creationId xmlns:a16="http://schemas.microsoft.com/office/drawing/2014/main" id="{FF777B66-94CB-491C-AC6B-BDAC98E21D57}"/>
-              </a:ext>
-            </a:extLst>
-          </p:cNvPr>
-          <p:cNvSpPr>
-            <a:spLocks noGrp="1"/>
-          </p:cNvSpPr>
-          <p:nvPr>
-            <p:ph type="title"/>
-          </p:nvPr>
-        </p:nvSpPr>
-        <p:spPr/>
-        <p:txBody>
-          <a:bodyPr rtlCol="0"/>
-          <a:lstStyle/>
-          <a:p>
-            <a:pPr rtl="0"/>
-            <a:r>
-              <a:rPr lang="tr-TR" dirty="0"/>
-              <a:t>SORULAR…</a:t>
-            </a:r>
-          </a:p>
-        </p:txBody>
-      </p:sp>
-      <p:pic>
-        <p:nvPicPr>
-          <p:cNvPr id="15" name="Resim Yer Tutucusu 14" descr="alacakaranlık gökyüzünün altındaki dağlar">
-            <a:extLst>
-              <a:ext uri="{FF2B5EF4-FFF2-40B4-BE49-F238E27FC236}">
-                <a16:creationId xmlns:a16="http://schemas.microsoft.com/office/drawing/2014/main" id="{3D15FDC1-74B5-4FD8-BD17-0E2502C411A6}"/>
-              </a:ext>
-            </a:extLst>
-          </p:cNvPr>
-          <p:cNvPicPr>
-            <a:picLocks noGrp="1" noChangeAspect="1"/>
-          </p:cNvPicPr>
-          <p:nvPr>
-            <p:ph type="pic" sz="quarter" idx="17"/>
-          </p:nvPr>
-        </p:nvPicPr>
-        <p:blipFill rotWithShape="1">
-          <a:blip r:embed="rId5"/>
-          <a:srcRect l="16" r="16"/>
-          <a:stretch/>
-        </p:blipFill>
-        <p:spPr/>
-      </p:pic>
-      <p:pic>
-        <p:nvPicPr>
-          <p:cNvPr id="13" name="Resim Yer Tutucusu 12" descr="şafaktan hemen önce, karanlık gökyüzünün altındaki dağlar">
-            <a:extLst>
-              <a:ext uri="{FF2B5EF4-FFF2-40B4-BE49-F238E27FC236}">
-                <a16:creationId xmlns:a16="http://schemas.microsoft.com/office/drawing/2014/main" id="{E02C4914-F076-4415-9C5D-A9BDB6CC6110}"/>
-              </a:ext>
-            </a:extLst>
-          </p:cNvPr>
-          <p:cNvPicPr>
-            <a:picLocks noGrp="1" noChangeAspect="1"/>
-          </p:cNvPicPr>
-          <p:nvPr>
-            <p:ph type="pic" sz="quarter" idx="16"/>
-          </p:nvPr>
-        </p:nvPicPr>
-        <p:blipFill rotWithShape="1">
-          <a:blip r:embed="rId6"/>
-          <a:srcRect t="108" b="108"/>
-          <a:stretch/>
-        </p:blipFill>
-        <p:spPr/>
-      </p:pic>
-    </p:spTree>
-    <p:extLst>
-      <p:ext uri="{BB962C8B-B14F-4D97-AF65-F5344CB8AC3E}">
-        <p14:creationId xmlns:p14="http://schemas.microsoft.com/office/powerpoint/2010/main" val="927313156"/>
-      </p:ext>
-    </p:extLst>
-  </p:cSld>
-  <p:clrMapOvr>
-    <a:masterClrMapping/>
-  </p:clrMapOvr>
-</p:sld>
-</file>
-
-<file path=ppt/slides/slide48.xml><?xml version="1.0" encoding="utf-8"?>
-<p:sld xmlns:a="http://schemas.openxmlformats.org/drawingml/2006/main" xmlns:r="http://schemas.openxmlformats.org/officeDocument/2006/relationships" xmlns:p="http://schemas.openxmlformats.org/presentationml/2006/main">
-  <p:cSld>
-    <p:spTree>
-      <p:nvGrpSpPr>
-        <p:cNvPr id="1" name=""/>
-        <p:cNvGrpSpPr/>
-        <p:nvPr/>
-      </p:nvGrpSpPr>
-      <p:grpSpPr>
-        <a:xfrm>
-          <a:off x="0" y="0"/>
-          <a:ext cx="0" cy="0"/>
-          <a:chOff x="0" y="0"/>
-          <a:chExt cx="0" cy="0"/>
-        </a:xfrm>
-      </p:grpSpPr>
-      <p:sp>
-        <p:nvSpPr>
-          <p:cNvPr id="4" name="Başlık 3">
-            <a:extLst>
-              <a:ext uri="{FF2B5EF4-FFF2-40B4-BE49-F238E27FC236}">
-                <a16:creationId xmlns:a16="http://schemas.microsoft.com/office/drawing/2014/main" id="{55E27C7C-4B68-4BBC-BF36-8959D8493E4A}"/>
-              </a:ext>
-            </a:extLst>
-          </p:cNvPr>
-          <p:cNvSpPr>
-            <a:spLocks noGrp="1"/>
-          </p:cNvSpPr>
-          <p:nvPr>
-            <p:ph type="title"/>
-          </p:nvPr>
-        </p:nvSpPr>
-        <p:spPr>
-          <a:xfrm>
-            <a:off x="838200" y="294699"/>
-            <a:ext cx="10515600" cy="610821"/>
-          </a:xfrm>
-        </p:spPr>
-        <p:txBody>
-          <a:bodyPr rtlCol="0">
-            <a:noAutofit/>
-          </a:bodyPr>
-          <a:lstStyle/>
-          <a:p>
-            <a:pPr algn="ctr" rtl="0"/>
-            <a:r>
-              <a:rPr lang="tr-TR" sz="2800" dirty="0"/>
-              <a:t>Kaynakça</a:t>
-            </a:r>
-          </a:p>
-        </p:txBody>
-      </p:sp>
-      <p:sp>
-        <p:nvSpPr>
-          <p:cNvPr id="9" name="Slayt Numarası Yer Tutucusu 5">
-            <a:extLst>
-              <a:ext uri="{FF2B5EF4-FFF2-40B4-BE49-F238E27FC236}">
-                <a16:creationId xmlns:a16="http://schemas.microsoft.com/office/drawing/2014/main" id="{4FC290B8-BF94-4636-BFAB-9FD67F4AAC6D}"/>
-              </a:ext>
-            </a:extLst>
-          </p:cNvPr>
-          <p:cNvSpPr>
-            <a:spLocks noGrp="1"/>
-          </p:cNvSpPr>
-          <p:nvPr>
-            <p:ph type="sldNum" sz="quarter" idx="12"/>
-          </p:nvPr>
-        </p:nvSpPr>
-        <p:spPr>
-          <a:xfrm>
-            <a:off x="8610600" y="6356350"/>
-            <a:ext cx="2743200" cy="365125"/>
-          </a:xfrm>
-        </p:spPr>
-        <p:txBody>
-          <a:bodyPr rtlCol="0"/>
-          <a:lstStyle/>
-          <a:p>
-            <a:pPr rtl="0"/>
-            <a:fld id="{D8DA9DAA-006C-4F4B-980E-E3DF019B24E2}" type="slidenum">
-              <a:rPr lang="tr-TR" b="1" cap="all" spc="100" smtClean="0">
-                <a:solidFill>
-                  <a:schemeClr val="accent2"/>
-                </a:solidFill>
-              </a:rPr>
-              <a:t>48</a:t>
             </a:fld>
             <a:endParaRPr lang="tr-TR" b="1" cap="all" spc="100" dirty="0">
               <a:solidFill>
@@ -30359,24 +29743,6 @@
 </file>
 
 <file path=customXml/item1.xml><?xml version="1.0" encoding="utf-8"?>
-<?mso-contentType ?>
-<FormTemplates xmlns="http://schemas.microsoft.com/sharepoint/v3/contenttype/forms">
-  <Display>DocumentLibraryForm</Display>
-  <Edit>DocumentLibraryForm</Edit>
-  <New>DocumentLibraryForm</New>
-</FormTemplates>
-</file>
-
-<file path=customXml/item2.xml><?xml version="1.0" encoding="utf-8"?>
-<p:properties xmlns:p="http://schemas.microsoft.com/office/2006/metadata/properties" xmlns:xsi="http://www.w3.org/2001/XMLSchema-instance" xmlns:pc="http://schemas.microsoft.com/office/infopath/2007/PartnerControls">
-  <documentManagement>
-    <Status xmlns="71af3243-3dd4-4a8d-8c0d-dd76da1f02a5">Not started</Status>
-    <MediaServiceKeyPoints xmlns="71af3243-3dd4-4a8d-8c0d-dd76da1f02a5" xsi:nil="true"/>
-  </documentManagement>
-</p:properties>
-</file>
-
-<file path=customXml/item3.xml><?xml version="1.0" encoding="utf-8"?>
 <ct:contentTypeSchema xmlns:ct="http://schemas.microsoft.com/office/2006/metadata/contentType" xmlns:ma="http://schemas.microsoft.com/office/2006/metadata/properties/metaAttributes" ct:_="" ma:_="" ma:contentTypeName="Document" ma:contentTypeID="0x01010079F111ED35F8CC479449609E8A0923A6" ma:contentTypeVersion="12" ma:contentTypeDescription="Create a new document." ma:contentTypeScope="" ma:versionID="426e97fa315356fffbdcd9876fe988c2">
   <xsd:schema xmlns:xsd="http://www.w3.org/2001/XMLSchema" xmlns:xs="http://www.w3.org/2001/XMLSchema" xmlns:p="http://schemas.microsoft.com/office/2006/metadata/properties" xmlns:ns2="71af3243-3dd4-4a8d-8c0d-dd76da1f02a5" xmlns:ns3="16c05727-aa75-4e4a-9b5f-8a80a1165891" targetNamespace="http://schemas.microsoft.com/office/2006/metadata/properties" ma:root="true" ma:fieldsID="14b8f0def80e6d70ce3def20c90759ae" ns2:_="" ns3:_="">
     <xsd:import namespace="71af3243-3dd4-4a8d-8c0d-dd76da1f02a5"/>
@@ -30597,25 +29963,25 @@
 </ct:contentTypeSchema>
 </file>
 
-<file path=customXml/itemProps1.xml><?xml version="1.0" encoding="utf-8"?>
-<ds:datastoreItem xmlns:ds="http://schemas.openxmlformats.org/officeDocument/2006/customXml" ds:itemID="{3C8E00D1-8EA3-4E42-801D-0253E1EAFC21}">
-  <ds:schemaRefs>
-    <ds:schemaRef ds:uri="http://schemas.microsoft.com/sharepoint/v3/contenttype/forms"/>
-  </ds:schemaRefs>
-</ds:datastoreItem>
+<file path=customXml/item2.xml><?xml version="1.0" encoding="utf-8"?>
+<?mso-contentType ?>
+<FormTemplates xmlns="http://schemas.microsoft.com/sharepoint/v3/contenttype/forms">
+  <Display>DocumentLibraryForm</Display>
+  <Edit>DocumentLibraryForm</Edit>
+  <New>DocumentLibraryForm</New>
+</FormTemplates>
 </file>
 
-<file path=customXml/itemProps2.xml><?xml version="1.0" encoding="utf-8"?>
-<ds:datastoreItem xmlns:ds="http://schemas.openxmlformats.org/officeDocument/2006/customXml" ds:itemID="{99919F73-B6C2-4A43-95E2-833EC48925FE}">
-  <ds:schemaRefs>
-    <ds:schemaRef ds:uri="http://schemas.microsoft.com/office/2006/metadata/properties"/>
-    <ds:schemaRef ds:uri="http://schemas.microsoft.com/office/infopath/2007/PartnerControls"/>
-    <ds:schemaRef ds:uri="71af3243-3dd4-4a8d-8c0d-dd76da1f02a5"/>
-  </ds:schemaRefs>
-</ds:datastoreItem>
+<file path=customXml/item3.xml><?xml version="1.0" encoding="utf-8"?>
+<p:properties xmlns:p="http://schemas.microsoft.com/office/2006/metadata/properties" xmlns:xsi="http://www.w3.org/2001/XMLSchema-instance" xmlns:pc="http://schemas.microsoft.com/office/infopath/2007/PartnerControls">
+  <documentManagement>
+    <Status xmlns="71af3243-3dd4-4a8d-8c0d-dd76da1f02a5">Not started</Status>
+    <MediaServiceKeyPoints xmlns="71af3243-3dd4-4a8d-8c0d-dd76da1f02a5" xsi:nil="true"/>
+  </documentManagement>
+</p:properties>
 </file>
 
-<file path=customXml/itemProps3.xml><?xml version="1.0" encoding="utf-8"?>
+<file path=customXml/itemProps1.xml><?xml version="1.0" encoding="utf-8"?>
 <ds:datastoreItem xmlns:ds="http://schemas.openxmlformats.org/officeDocument/2006/customXml" ds:itemID="{ABC329F5-30EE-4BF7-AA2A-B837B51416B4}">
   <ds:schemaRefs>
     <ds:schemaRef ds:uri="http://schemas.microsoft.com/office/2006/metadata/contentType"/>
@@ -30632,4 +29998,22 @@
     <ds:schemaRef ds:uri="http://schemas.microsoft.com/internal/obd"/>
   </ds:schemaRefs>
 </ds:datastoreItem>
+</file>
+
+<file path=customXml/itemProps2.xml><?xml version="1.0" encoding="utf-8"?>
+<ds:datastoreItem xmlns:ds="http://schemas.openxmlformats.org/officeDocument/2006/customXml" ds:itemID="{3C8E00D1-8EA3-4E42-801D-0253E1EAFC21}">
+  <ds:schemaRefs>
+    <ds:schemaRef ds:uri="http://schemas.microsoft.com/sharepoint/v3/contenttype/forms"/>
+  </ds:schemaRefs>
+</ds:datastoreItem>
+</file>
+
+<file path=customXml/itemProps3.xml><?xml version="1.0" encoding="utf-8"?>
+<ds:datastoreItem xmlns:ds="http://schemas.openxmlformats.org/officeDocument/2006/customXml" ds:itemID="{99919F73-B6C2-4A43-95E2-833EC48925FE}">
+  <ds:schemaRefs>
+    <ds:schemaRef ds:uri="http://schemas.microsoft.com/office/2006/metadata/properties"/>
+    <ds:schemaRef ds:uri="http://schemas.microsoft.com/office/infopath/2007/PartnerControls"/>
+    <ds:schemaRef ds:uri="71af3243-3dd4-4a8d-8c0d-dd76da1f02a5"/>
+  </ds:schemaRefs>
+</ds:datastoreItem>
 </file>